--- a/Аверина/Нелинейная цифровая модуляция.pptx
+++ b/Аверина/Нелинейная цифровая модуляция.pptx
@@ -1,12 +1,17 @@
 
 <file path=ppt/presentation.xml><?xml version="1.0" encoding="utf-8"?>
-<p:presentation xmlns:a="http://schemas.openxmlformats.org/drawingml/2006/main" xmlns:r="http://schemas.openxmlformats.org/officeDocument/2006/relationships" xmlns:p="http://schemas.openxmlformats.org/presentationml/2006/main" saveSubsetFonts="1">
+<p:presentation xmlns:a="http://schemas.openxmlformats.org/drawingml/2006/main" xmlns:r="http://schemas.openxmlformats.org/officeDocument/2006/relationships" xmlns:p="http://schemas.openxmlformats.org/presentationml/2006/main" showSpecialPlsOnTitleSld="0" saveSubsetFonts="1">
   <p:sldMasterIdLst>
     <p:sldMasterId id="2147483648" r:id="rId1"/>
   </p:sldMasterIdLst>
+  <p:notesMasterIdLst>
+    <p:notesMasterId r:id="rId6"/>
+  </p:notesMasterIdLst>
   <p:sldIdLst>
     <p:sldId id="256" r:id="rId2"/>
     <p:sldId id="257" r:id="rId3"/>
+    <p:sldId id="258" r:id="rId4"/>
+    <p:sldId id="259" r:id="rId5"/>
   </p:sldIdLst>
   <p:sldSz cx="12192000" cy="6858000"/>
   <p:notesSz cx="6858000" cy="9144000"/>
@@ -105,7 +110,361 @@
       </a:defRPr>
     </a:lvl9pPr>
   </p:defaultTextStyle>
+  <p:extLst>
+    <p:ext uri="{EFAFB233-063F-42B5-8137-9DF3F51BA10A}">
+      <p15:sldGuideLst xmlns:p15="http://schemas.microsoft.com/office/powerpoint/2012/main"/>
+    </p:ext>
+  </p:extLst>
 </p:presentation>
+</file>
+
+<file path=ppt/notesMasters/notesMaster1.xml><?xml version="1.0" encoding="utf-8"?>
+<p:notesMaster xmlns:a="http://schemas.openxmlformats.org/drawingml/2006/main" xmlns:r="http://schemas.openxmlformats.org/officeDocument/2006/relationships" xmlns:p="http://schemas.openxmlformats.org/presentationml/2006/main">
+  <p:cSld>
+    <p:bg>
+      <p:bgRef idx="1001">
+        <a:schemeClr val="bg1"/>
+      </p:bgRef>
+    </p:bg>
+    <p:spTree>
+      <p:nvGrpSpPr>
+        <p:cNvPr id="1" name=""/>
+        <p:cNvGrpSpPr/>
+        <p:nvPr/>
+      </p:nvGrpSpPr>
+      <p:grpSpPr>
+        <a:xfrm>
+          <a:off x="0" y="0"/>
+          <a:ext cx="0" cy="0"/>
+          <a:chOff x="0" y="0"/>
+          <a:chExt cx="0" cy="0"/>
+        </a:xfrm>
+      </p:grpSpPr>
+      <p:sp>
+        <p:nvSpPr>
+          <p:cNvPr id="2" name="Верхний колонтитул 1"/>
+          <p:cNvSpPr>
+            <a:spLocks noGrp="1"/>
+          </p:cNvSpPr>
+          <p:nvPr>
+            <p:ph type="hdr" sz="quarter"/>
+          </p:nvPr>
+        </p:nvSpPr>
+        <p:spPr>
+          <a:xfrm>
+            <a:off x="0" y="0"/>
+            <a:ext cx="2971800" cy="458788"/>
+          </a:xfrm>
+          <a:prstGeom prst="rect">
+            <a:avLst/>
+          </a:prstGeom>
+        </p:spPr>
+        <p:txBody>
+          <a:bodyPr vert="horz" lIns="91440" tIns="45720" rIns="91440" bIns="45720" rtlCol="0"/>
+          <a:lstStyle>
+            <a:lvl1pPr algn="l">
+              <a:defRPr sz="1200"/>
+            </a:lvl1pPr>
+          </a:lstStyle>
+          <a:p>
+            <a:endParaRPr lang="ru-RU"/>
+          </a:p>
+        </p:txBody>
+      </p:sp>
+      <p:sp>
+        <p:nvSpPr>
+          <p:cNvPr id="3" name="Дата 2"/>
+          <p:cNvSpPr>
+            <a:spLocks noGrp="1"/>
+          </p:cNvSpPr>
+          <p:nvPr>
+            <p:ph type="dt" idx="1"/>
+          </p:nvPr>
+        </p:nvSpPr>
+        <p:spPr>
+          <a:xfrm>
+            <a:off x="3884613" y="0"/>
+            <a:ext cx="2971800" cy="458788"/>
+          </a:xfrm>
+          <a:prstGeom prst="rect">
+            <a:avLst/>
+          </a:prstGeom>
+        </p:spPr>
+        <p:txBody>
+          <a:bodyPr vert="horz" lIns="91440" tIns="45720" rIns="91440" bIns="45720" rtlCol="0"/>
+          <a:lstStyle>
+            <a:lvl1pPr algn="r">
+              <a:defRPr sz="1200"/>
+            </a:lvl1pPr>
+          </a:lstStyle>
+          <a:p>
+            <a:fld id="{45F810B1-9DB1-44CE-81DA-AA7941315D9C}" type="datetimeFigureOut">
+              <a:rPr lang="ru-RU" smtClean="0"/>
+              <a:t>02.03.2023</a:t>
+            </a:fld>
+            <a:endParaRPr lang="ru-RU"/>
+          </a:p>
+        </p:txBody>
+      </p:sp>
+      <p:sp>
+        <p:nvSpPr>
+          <p:cNvPr id="4" name="Образ слайда 3"/>
+          <p:cNvSpPr>
+            <a:spLocks noGrp="1" noRot="1" noChangeAspect="1"/>
+          </p:cNvSpPr>
+          <p:nvPr>
+            <p:ph type="sldImg" idx="2"/>
+          </p:nvPr>
+        </p:nvSpPr>
+        <p:spPr>
+          <a:xfrm>
+            <a:off x="685800" y="1143000"/>
+            <a:ext cx="5486400" cy="3086100"/>
+          </a:xfrm>
+          <a:prstGeom prst="rect">
+            <a:avLst/>
+          </a:prstGeom>
+          <a:noFill/>
+          <a:ln w="12700">
+            <a:solidFill>
+              <a:prstClr val="black"/>
+            </a:solidFill>
+          </a:ln>
+        </p:spPr>
+        <p:txBody>
+          <a:bodyPr vert="horz" lIns="91440" tIns="45720" rIns="91440" bIns="45720" rtlCol="0" anchor="ctr"/>
+          <a:lstStyle/>
+          <a:p>
+            <a:endParaRPr lang="ru-RU"/>
+          </a:p>
+        </p:txBody>
+      </p:sp>
+      <p:sp>
+        <p:nvSpPr>
+          <p:cNvPr id="5" name="Заметки 4"/>
+          <p:cNvSpPr>
+            <a:spLocks noGrp="1"/>
+          </p:cNvSpPr>
+          <p:nvPr>
+            <p:ph type="body" sz="quarter" idx="3"/>
+          </p:nvPr>
+        </p:nvSpPr>
+        <p:spPr>
+          <a:xfrm>
+            <a:off x="685800" y="4400550"/>
+            <a:ext cx="5486400" cy="3600450"/>
+          </a:xfrm>
+          <a:prstGeom prst="rect">
+            <a:avLst/>
+          </a:prstGeom>
+        </p:spPr>
+        <p:txBody>
+          <a:bodyPr vert="horz" lIns="91440" tIns="45720" rIns="91440" bIns="45720" rtlCol="0"/>
+          <a:lstStyle/>
+          <a:p>
+            <a:pPr lvl="0"/>
+            <a:r>
+              <a:rPr lang="ru-RU"/>
+              <a:t>Образец текста</a:t>
+            </a:r>
+          </a:p>
+          <a:p>
+            <a:pPr lvl="1"/>
+            <a:r>
+              <a:rPr lang="ru-RU"/>
+              <a:t>Второй уровень</a:t>
+            </a:r>
+          </a:p>
+          <a:p>
+            <a:pPr lvl="2"/>
+            <a:r>
+              <a:rPr lang="ru-RU"/>
+              <a:t>Третий уровень</a:t>
+            </a:r>
+          </a:p>
+          <a:p>
+            <a:pPr lvl="3"/>
+            <a:r>
+              <a:rPr lang="ru-RU"/>
+              <a:t>Четвертый уровень</a:t>
+            </a:r>
+          </a:p>
+          <a:p>
+            <a:pPr lvl="4"/>
+            <a:r>
+              <a:rPr lang="ru-RU"/>
+              <a:t>Пятый уровень</a:t>
+            </a:r>
+          </a:p>
+        </p:txBody>
+      </p:sp>
+      <p:sp>
+        <p:nvSpPr>
+          <p:cNvPr id="6" name="Нижний колонтитул 5"/>
+          <p:cNvSpPr>
+            <a:spLocks noGrp="1"/>
+          </p:cNvSpPr>
+          <p:nvPr>
+            <p:ph type="ftr" sz="quarter" idx="4"/>
+          </p:nvPr>
+        </p:nvSpPr>
+        <p:spPr>
+          <a:xfrm>
+            <a:off x="0" y="8685213"/>
+            <a:ext cx="2971800" cy="458787"/>
+          </a:xfrm>
+          <a:prstGeom prst="rect">
+            <a:avLst/>
+          </a:prstGeom>
+        </p:spPr>
+        <p:txBody>
+          <a:bodyPr vert="horz" lIns="91440" tIns="45720" rIns="91440" bIns="45720" rtlCol="0" anchor="b"/>
+          <a:lstStyle>
+            <a:lvl1pPr algn="l">
+              <a:defRPr sz="1200"/>
+            </a:lvl1pPr>
+          </a:lstStyle>
+          <a:p>
+            <a:endParaRPr lang="ru-RU"/>
+          </a:p>
+        </p:txBody>
+      </p:sp>
+      <p:sp>
+        <p:nvSpPr>
+          <p:cNvPr id="7" name="Номер слайда 6"/>
+          <p:cNvSpPr>
+            <a:spLocks noGrp="1"/>
+          </p:cNvSpPr>
+          <p:nvPr>
+            <p:ph type="sldNum" sz="quarter" idx="5"/>
+          </p:nvPr>
+        </p:nvSpPr>
+        <p:spPr>
+          <a:xfrm>
+            <a:off x="3884613" y="8685213"/>
+            <a:ext cx="2971800" cy="458787"/>
+          </a:xfrm>
+          <a:prstGeom prst="rect">
+            <a:avLst/>
+          </a:prstGeom>
+        </p:spPr>
+        <p:txBody>
+          <a:bodyPr vert="horz" lIns="91440" tIns="45720" rIns="91440" bIns="45720" rtlCol="0" anchor="b"/>
+          <a:lstStyle>
+            <a:lvl1pPr algn="r">
+              <a:defRPr sz="1200"/>
+            </a:lvl1pPr>
+          </a:lstStyle>
+          <a:p>
+            <a:fld id="{DA59C9D1-850D-4D1C-8D7D-BCEB7D1CF6DA}" type="slidenum">
+              <a:rPr lang="ru-RU" smtClean="0"/>
+              <a:t>‹#›</a:t>
+            </a:fld>
+            <a:endParaRPr lang="ru-RU"/>
+          </a:p>
+        </p:txBody>
+      </p:sp>
+    </p:spTree>
+    <p:extLst>
+      <p:ext uri="{BB962C8B-B14F-4D97-AF65-F5344CB8AC3E}">
+        <p14:creationId xmlns:p14="http://schemas.microsoft.com/office/powerpoint/2010/main" val="2905014406"/>
+      </p:ext>
+    </p:extLst>
+  </p:cSld>
+  <p:clrMap bg1="lt1" tx1="dk1" bg2="lt2" tx2="dk2" accent1="accent1" accent2="accent2" accent3="accent3" accent4="accent4" accent5="accent5" accent6="accent6" hlink="hlink" folHlink="folHlink"/>
+  <p:notesStyle>
+    <a:lvl1pPr marL="0" algn="l" defTabSz="914400" rtl="0" eaLnBrk="1" latinLnBrk="0" hangingPunct="1">
+      <a:defRPr sz="1200" kern="1200">
+        <a:solidFill>
+          <a:schemeClr val="tx1"/>
+        </a:solidFill>
+        <a:latin typeface="+mn-lt"/>
+        <a:ea typeface="+mn-ea"/>
+        <a:cs typeface="+mn-cs"/>
+      </a:defRPr>
+    </a:lvl1pPr>
+    <a:lvl2pPr marL="457200" algn="l" defTabSz="914400" rtl="0" eaLnBrk="1" latinLnBrk="0" hangingPunct="1">
+      <a:defRPr sz="1200" kern="1200">
+        <a:solidFill>
+          <a:schemeClr val="tx1"/>
+        </a:solidFill>
+        <a:latin typeface="+mn-lt"/>
+        <a:ea typeface="+mn-ea"/>
+        <a:cs typeface="+mn-cs"/>
+      </a:defRPr>
+    </a:lvl2pPr>
+    <a:lvl3pPr marL="914400" algn="l" defTabSz="914400" rtl="0" eaLnBrk="1" latinLnBrk="0" hangingPunct="1">
+      <a:defRPr sz="1200" kern="1200">
+        <a:solidFill>
+          <a:schemeClr val="tx1"/>
+        </a:solidFill>
+        <a:latin typeface="+mn-lt"/>
+        <a:ea typeface="+mn-ea"/>
+        <a:cs typeface="+mn-cs"/>
+      </a:defRPr>
+    </a:lvl3pPr>
+    <a:lvl4pPr marL="1371600" algn="l" defTabSz="914400" rtl="0" eaLnBrk="1" latinLnBrk="0" hangingPunct="1">
+      <a:defRPr sz="1200" kern="1200">
+        <a:solidFill>
+          <a:schemeClr val="tx1"/>
+        </a:solidFill>
+        <a:latin typeface="+mn-lt"/>
+        <a:ea typeface="+mn-ea"/>
+        <a:cs typeface="+mn-cs"/>
+      </a:defRPr>
+    </a:lvl4pPr>
+    <a:lvl5pPr marL="1828800" algn="l" defTabSz="914400" rtl="0" eaLnBrk="1" latinLnBrk="0" hangingPunct="1">
+      <a:defRPr sz="1200" kern="1200">
+        <a:solidFill>
+          <a:schemeClr val="tx1"/>
+        </a:solidFill>
+        <a:latin typeface="+mn-lt"/>
+        <a:ea typeface="+mn-ea"/>
+        <a:cs typeface="+mn-cs"/>
+      </a:defRPr>
+    </a:lvl5pPr>
+    <a:lvl6pPr marL="2286000" algn="l" defTabSz="914400" rtl="0" eaLnBrk="1" latinLnBrk="0" hangingPunct="1">
+      <a:defRPr sz="1200" kern="1200">
+        <a:solidFill>
+          <a:schemeClr val="tx1"/>
+        </a:solidFill>
+        <a:latin typeface="+mn-lt"/>
+        <a:ea typeface="+mn-ea"/>
+        <a:cs typeface="+mn-cs"/>
+      </a:defRPr>
+    </a:lvl6pPr>
+    <a:lvl7pPr marL="2743200" algn="l" defTabSz="914400" rtl="0" eaLnBrk="1" latinLnBrk="0" hangingPunct="1">
+      <a:defRPr sz="1200" kern="1200">
+        <a:solidFill>
+          <a:schemeClr val="tx1"/>
+        </a:solidFill>
+        <a:latin typeface="+mn-lt"/>
+        <a:ea typeface="+mn-ea"/>
+        <a:cs typeface="+mn-cs"/>
+      </a:defRPr>
+    </a:lvl7pPr>
+    <a:lvl8pPr marL="3200400" algn="l" defTabSz="914400" rtl="0" eaLnBrk="1" latinLnBrk="0" hangingPunct="1">
+      <a:defRPr sz="1200" kern="1200">
+        <a:solidFill>
+          <a:schemeClr val="tx1"/>
+        </a:solidFill>
+        <a:latin typeface="+mn-lt"/>
+        <a:ea typeface="+mn-ea"/>
+        <a:cs typeface="+mn-cs"/>
+      </a:defRPr>
+    </a:lvl8pPr>
+    <a:lvl9pPr marL="3657600" algn="l" defTabSz="914400" rtl="0" eaLnBrk="1" latinLnBrk="0" hangingPunct="1">
+      <a:defRPr sz="1200" kern="1200">
+        <a:solidFill>
+          <a:schemeClr val="tx1"/>
+        </a:solidFill>
+        <a:latin typeface="+mn-lt"/>
+        <a:ea typeface="+mn-ea"/>
+        <a:cs typeface="+mn-cs"/>
+      </a:defRPr>
+    </a:lvl9pPr>
+  </p:notesStyle>
+</p:notesMaster>
 </file>
 
 <file path=ppt/slideLayouts/slideLayout1.xml><?xml version="1.0" encoding="utf-8"?>
@@ -253,9 +612,9 @@
           <a:bodyPr/>
           <a:lstStyle/>
           <a:p>
-            <a:fld id="{9AE6DB76-7DC8-4D1D-844E-1D8B5D3C5BD4}" type="datetimeFigureOut">
+            <a:fld id="{B487F7A7-99C9-4308-B591-3BC7A874C59A}" type="datetime1">
               <a:rPr lang="ru-RU" smtClean="0"/>
-              <a:t>26.02.2023</a:t>
+              <a:t>02.03.2023</a:t>
             </a:fld>
             <a:endParaRPr lang="ru-RU"/>
           </a:p>
@@ -451,9 +810,9 @@
           <a:bodyPr/>
           <a:lstStyle/>
           <a:p>
-            <a:fld id="{9AE6DB76-7DC8-4D1D-844E-1D8B5D3C5BD4}" type="datetimeFigureOut">
+            <a:fld id="{7F8C2C21-83C4-4ED8-9DFC-DCCCE468B407}" type="datetime1">
               <a:rPr lang="ru-RU" smtClean="0"/>
-              <a:t>26.02.2023</a:t>
+              <a:t>02.03.2023</a:t>
             </a:fld>
             <a:endParaRPr lang="ru-RU"/>
           </a:p>
@@ -659,9 +1018,9 @@
           <a:bodyPr/>
           <a:lstStyle/>
           <a:p>
-            <a:fld id="{9AE6DB76-7DC8-4D1D-844E-1D8B5D3C5BD4}" type="datetimeFigureOut">
+            <a:fld id="{42E2A09E-7C82-4D05-8425-A82CCC2EB0F2}" type="datetime1">
               <a:rPr lang="ru-RU" smtClean="0"/>
-              <a:t>26.02.2023</a:t>
+              <a:t>02.03.2023</a:t>
             </a:fld>
             <a:endParaRPr lang="ru-RU"/>
           </a:p>
@@ -770,10 +1129,14 @@
         <p:spPr/>
         <p:txBody>
           <a:bodyPr/>
-          <a:lstStyle/>
-          <a:p>
-            <a:r>
-              <a:rPr lang="ru-RU"/>
+          <a:lstStyle>
+            <a:lvl1pPr algn="ctr">
+              <a:defRPr/>
+            </a:lvl1pPr>
+          </a:lstStyle>
+          <a:p>
+            <a:r>
+              <a:rPr lang="ru-RU" dirty="0"/>
               <a:t>Образец заголовка</a:t>
             </a:r>
           </a:p>
@@ -857,9 +1220,9 @@
           <a:bodyPr/>
           <a:lstStyle/>
           <a:p>
-            <a:fld id="{9AE6DB76-7DC8-4D1D-844E-1D8B5D3C5BD4}" type="datetimeFigureOut">
+            <a:fld id="{6EB5F98D-A71D-4C0D-B5F9-1A5CAC62AD74}" type="datetime1">
               <a:rPr lang="ru-RU" smtClean="0"/>
-              <a:t>26.02.2023</a:t>
+              <a:t>02.03.2023</a:t>
             </a:fld>
             <a:endParaRPr lang="ru-RU"/>
           </a:p>
@@ -909,13 +1272,22 @@
         <p:spPr/>
         <p:txBody>
           <a:bodyPr/>
-          <a:lstStyle/>
+          <a:lstStyle>
+            <a:lvl1pPr>
+              <a:defRPr sz="1600">
+                <a:solidFill>
+                  <a:schemeClr val="tx1"/>
+                </a:solidFill>
+              </a:defRPr>
+            </a:lvl1pPr>
+          </a:lstStyle>
           <a:p>
             <a:fld id="{DB588EEF-D3FB-47DB-BAE8-79617CF8CEAA}" type="slidenum">
               <a:rPr lang="ru-RU" smtClean="0"/>
+              <a:pPr/>
               <a:t>‹#›</a:t>
             </a:fld>
-            <a:endParaRPr lang="ru-RU"/>
+            <a:endParaRPr lang="ru-RU" dirty="0"/>
           </a:p>
         </p:txBody>
       </p:sp>
@@ -1132,9 +1504,9 @@
           <a:bodyPr/>
           <a:lstStyle/>
           <a:p>
-            <a:fld id="{9AE6DB76-7DC8-4D1D-844E-1D8B5D3C5BD4}" type="datetimeFigureOut">
+            <a:fld id="{9E56E510-000F-4BEC-9943-8D5AF3A8770D}" type="datetime1">
               <a:rPr lang="ru-RU" smtClean="0"/>
-              <a:t>26.02.2023</a:t>
+              <a:t>02.03.2023</a:t>
             </a:fld>
             <a:endParaRPr lang="ru-RU"/>
           </a:p>
@@ -1397,9 +1769,9 @@
           <a:bodyPr/>
           <a:lstStyle/>
           <a:p>
-            <a:fld id="{9AE6DB76-7DC8-4D1D-844E-1D8B5D3C5BD4}" type="datetimeFigureOut">
+            <a:fld id="{F61D75E5-C1EF-4265-8113-CE0C7A03F344}" type="datetime1">
               <a:rPr lang="ru-RU" smtClean="0"/>
-              <a:t>26.02.2023</a:t>
+              <a:t>02.03.2023</a:t>
             </a:fld>
             <a:endParaRPr lang="ru-RU"/>
           </a:p>
@@ -1809,9 +2181,9 @@
           <a:bodyPr/>
           <a:lstStyle/>
           <a:p>
-            <a:fld id="{9AE6DB76-7DC8-4D1D-844E-1D8B5D3C5BD4}" type="datetimeFigureOut">
+            <a:fld id="{171E9663-6A83-45B9-8E4C-F896444330E0}" type="datetime1">
               <a:rPr lang="ru-RU" smtClean="0"/>
-              <a:t>26.02.2023</a:t>
+              <a:t>02.03.2023</a:t>
             </a:fld>
             <a:endParaRPr lang="ru-RU"/>
           </a:p>
@@ -1950,9 +2322,9 @@
           <a:bodyPr/>
           <a:lstStyle/>
           <a:p>
-            <a:fld id="{9AE6DB76-7DC8-4D1D-844E-1D8B5D3C5BD4}" type="datetimeFigureOut">
+            <a:fld id="{4D0E395D-C70D-4F30-85F0-2CF1BD3DA017}" type="datetime1">
               <a:rPr lang="ru-RU" smtClean="0"/>
-              <a:t>26.02.2023</a:t>
+              <a:t>02.03.2023</a:t>
             </a:fld>
             <a:endParaRPr lang="ru-RU"/>
           </a:p>
@@ -2063,9 +2435,9 @@
           <a:bodyPr/>
           <a:lstStyle/>
           <a:p>
-            <a:fld id="{9AE6DB76-7DC8-4D1D-844E-1D8B5D3C5BD4}" type="datetimeFigureOut">
+            <a:fld id="{BC337E0A-E1C6-4744-92C9-1B9E4614C66A}" type="datetime1">
               <a:rPr lang="ru-RU" smtClean="0"/>
-              <a:t>26.02.2023</a:t>
+              <a:t>02.03.2023</a:t>
             </a:fld>
             <a:endParaRPr lang="ru-RU"/>
           </a:p>
@@ -2374,9 +2746,9 @@
           <a:bodyPr/>
           <a:lstStyle/>
           <a:p>
-            <a:fld id="{9AE6DB76-7DC8-4D1D-844E-1D8B5D3C5BD4}" type="datetimeFigureOut">
+            <a:fld id="{4DF8685B-82AC-47D8-8803-90EBBA7E8209}" type="datetime1">
               <a:rPr lang="ru-RU" smtClean="0"/>
-              <a:t>26.02.2023</a:t>
+              <a:t>02.03.2023</a:t>
             </a:fld>
             <a:endParaRPr lang="ru-RU"/>
           </a:p>
@@ -2662,9 +3034,9 @@
           <a:bodyPr/>
           <a:lstStyle/>
           <a:p>
-            <a:fld id="{9AE6DB76-7DC8-4D1D-844E-1D8B5D3C5BD4}" type="datetimeFigureOut">
+            <a:fld id="{9C2DDD87-2EEC-46DB-82F2-ACF9473AC690}" type="datetime1">
               <a:rPr lang="ru-RU" smtClean="0"/>
-              <a:t>26.02.2023</a:t>
+              <a:t>02.03.2023</a:t>
             </a:fld>
             <a:endParaRPr lang="ru-RU"/>
           </a:p>
@@ -2903,9 +3275,9 @@
             </a:lvl1pPr>
           </a:lstStyle>
           <a:p>
-            <a:fld id="{9AE6DB76-7DC8-4D1D-844E-1D8B5D3C5BD4}" type="datetimeFigureOut">
+            <a:fld id="{4940CB2F-2F0E-4202-BC12-B3BA2EFFA9CC}" type="datetime1">
               <a:rPr lang="ru-RU" smtClean="0"/>
-              <a:t>26.02.2023</a:t>
+              <a:t>02.03.2023</a:t>
             </a:fld>
             <a:endParaRPr lang="ru-RU"/>
           </a:p>
@@ -3022,6 +3394,7 @@
     <p:sldLayoutId id="2147483658" r:id="rId10"/>
     <p:sldLayoutId id="2147483659" r:id="rId11"/>
   </p:sldLayoutIdLst>
+  <p:hf hdr="0" ftr="0" dt="0"/>
   <p:txStyles>
     <p:titleStyle>
       <a:lvl1pPr algn="l" defTabSz="914400" rtl="0" eaLnBrk="1" latinLnBrk="0" hangingPunct="1">
@@ -3418,10 +3791,39 @@
       </p:sp>
       <p:sp>
         <p:nvSpPr>
-          <p:cNvPr id="3" name="Объект 2">
-            <a:extLst>
-              <a:ext uri="{FF2B5EF4-FFF2-40B4-BE49-F238E27FC236}">
-                <a16:creationId xmlns:a16="http://schemas.microsoft.com/office/drawing/2014/main" id="{9BF1CC13-0AF1-4632-868F-36111DC75A92}"/>
+          <p:cNvPr id="4" name="Номер слайда 3">
+            <a:extLst>
+              <a:ext uri="{FF2B5EF4-FFF2-40B4-BE49-F238E27FC236}">
+                <a16:creationId xmlns:a16="http://schemas.microsoft.com/office/drawing/2014/main" id="{D88AEB01-7E0D-4BB3-A365-8DA780424B2C}"/>
+              </a:ext>
+            </a:extLst>
+          </p:cNvPr>
+          <p:cNvSpPr>
+            <a:spLocks noGrp="1"/>
+          </p:cNvSpPr>
+          <p:nvPr>
+            <p:ph type="sldNum" sz="quarter" idx="12"/>
+          </p:nvPr>
+        </p:nvSpPr>
+        <p:spPr/>
+        <p:txBody>
+          <a:bodyPr/>
+          <a:lstStyle/>
+          <a:p>
+            <a:fld id="{DB588EEF-D3FB-47DB-BAE8-79617CF8CEAA}" type="slidenum">
+              <a:rPr lang="ru-RU" smtClean="0"/>
+              <a:t>2</a:t>
+            </a:fld>
+            <a:endParaRPr lang="ru-RU"/>
+          </a:p>
+        </p:txBody>
+      </p:sp>
+      <p:sp>
+        <p:nvSpPr>
+          <p:cNvPr id="8" name="Объект 7">
+            <a:extLst>
+              <a:ext uri="{FF2B5EF4-FFF2-40B4-BE49-F238E27FC236}">
+                <a16:creationId xmlns:a16="http://schemas.microsoft.com/office/drawing/2014/main" id="{43A4E3D3-F79C-4518-93F6-89660B0E5037}"/>
               </a:ext>
             </a:extLst>
           </p:cNvPr>
@@ -3432,11 +3834,54 @@
             <p:ph idx="1"/>
           </p:nvPr>
         </p:nvSpPr>
-        <p:spPr/>
-        <p:txBody>
-          <a:bodyPr/>
-          <a:lstStyle/>
-          <a:p>
+        <p:spPr>
+          <a:xfrm>
+            <a:off x="838200" y="1508289"/>
+            <a:ext cx="10515600" cy="4668674"/>
+          </a:xfrm>
+        </p:spPr>
+        <p:txBody>
+          <a:bodyPr/>
+          <a:lstStyle/>
+          <a:p>
+            <a:pPr algn="just"/>
+            <a:r>
+              <a:rPr lang="ru-RU" sz="3200" dirty="0"/>
+              <a:t>Частотная модуляция является видом цифровой модуляции с нелинейной амплитудой, следовательно для сигналов с частотной модуляцией может не выполняться принцип суперпозиции</a:t>
+            </a:r>
+          </a:p>
+          <a:p>
+            <a:pPr algn="just"/>
+            <a:r>
+              <a:rPr lang="ru-RU" sz="3200" dirty="0"/>
+              <a:t>Соотношение между спектром модулирующего сигнала и спектром модулированного колебания нелинейное</a:t>
+            </a:r>
+          </a:p>
+          <a:p>
+            <a:pPr algn="just"/>
+            <a:r>
+              <a:rPr lang="ru-RU" sz="3200" dirty="0"/>
+              <a:t>Типы цифровой модуляции с нелинейной амплитудой: </a:t>
+            </a:r>
+            <a:r>
+              <a:rPr lang="en-US" sz="3200" dirty="0"/>
+              <a:t>FSK, MSK, </a:t>
+            </a:r>
+            <a:r>
+              <a:rPr lang="ru-RU" sz="3200" dirty="0"/>
+              <a:t>частотная модуляция с ограниченным спектром, </a:t>
+            </a:r>
+            <a:r>
+              <a:rPr lang="en-US" sz="3200" dirty="0"/>
+              <a:t>OFDM-</a:t>
+            </a:r>
+            <a:r>
+              <a:rPr lang="ru-RU" sz="3200" dirty="0"/>
+              <a:t>модуляции</a:t>
+            </a:r>
+          </a:p>
+          <a:p>
+            <a:pPr algn="just"/>
             <a:endParaRPr lang="ru-RU" dirty="0"/>
           </a:p>
         </p:txBody>
@@ -3445,6 +3890,536 @@
     <p:extLst>
       <p:ext uri="{BB962C8B-B14F-4D97-AF65-F5344CB8AC3E}">
         <p14:creationId xmlns:p14="http://schemas.microsoft.com/office/powerpoint/2010/main" val="2282520733"/>
+      </p:ext>
+    </p:extLst>
+  </p:cSld>
+  <p:clrMapOvr>
+    <a:masterClrMapping/>
+  </p:clrMapOvr>
+</p:sld>
+</file>
+
+<file path=ppt/slides/slide3.xml><?xml version="1.0" encoding="utf-8"?>
+<p:sld xmlns:a="http://schemas.openxmlformats.org/drawingml/2006/main" xmlns:r="http://schemas.openxmlformats.org/officeDocument/2006/relationships" xmlns:p="http://schemas.openxmlformats.org/presentationml/2006/main">
+  <p:cSld>
+    <p:spTree>
+      <p:nvGrpSpPr>
+        <p:cNvPr id="1" name=""/>
+        <p:cNvGrpSpPr/>
+        <p:nvPr/>
+      </p:nvGrpSpPr>
+      <p:grpSpPr>
+        <a:xfrm>
+          <a:off x="0" y="0"/>
+          <a:ext cx="0" cy="0"/>
+          <a:chOff x="0" y="0"/>
+          <a:chExt cx="0" cy="0"/>
+        </a:xfrm>
+      </p:grpSpPr>
+      <p:sp>
+        <p:nvSpPr>
+          <p:cNvPr id="2" name="Заголовок 1">
+            <a:extLst>
+              <a:ext uri="{FF2B5EF4-FFF2-40B4-BE49-F238E27FC236}">
+                <a16:creationId xmlns:a16="http://schemas.microsoft.com/office/drawing/2014/main" id="{4842FDAD-12DD-40F1-B4F7-2A0AF7733850}"/>
+              </a:ext>
+            </a:extLst>
+          </p:cNvPr>
+          <p:cNvSpPr>
+            <a:spLocks noGrp="1"/>
+          </p:cNvSpPr>
+          <p:nvPr>
+            <p:ph type="title"/>
+          </p:nvPr>
+        </p:nvSpPr>
+        <p:spPr/>
+        <p:txBody>
+          <a:bodyPr/>
+          <a:lstStyle/>
+          <a:p>
+            <a:r>
+              <a:rPr lang="ru-RU" dirty="0"/>
+              <a:t>Двоичная частотная модуляция (</a:t>
+            </a:r>
+            <a:r>
+              <a:rPr lang="en-US" dirty="0"/>
+              <a:t>FSK</a:t>
+            </a:r>
+            <a:r>
+              <a:rPr lang="ru-RU" dirty="0"/>
+              <a:t>)</a:t>
+            </a:r>
+          </a:p>
+        </p:txBody>
+      </p:sp>
+      <p:sp>
+        <p:nvSpPr>
+          <p:cNvPr id="4" name="Номер слайда 3">
+            <a:extLst>
+              <a:ext uri="{FF2B5EF4-FFF2-40B4-BE49-F238E27FC236}">
+                <a16:creationId xmlns:a16="http://schemas.microsoft.com/office/drawing/2014/main" id="{540B2741-DF37-4EAD-B5FC-8F53A8F9176A}"/>
+              </a:ext>
+            </a:extLst>
+          </p:cNvPr>
+          <p:cNvSpPr>
+            <a:spLocks noGrp="1"/>
+          </p:cNvSpPr>
+          <p:nvPr>
+            <p:ph type="sldNum" sz="quarter" idx="12"/>
+          </p:nvPr>
+        </p:nvSpPr>
+        <p:spPr/>
+        <p:txBody>
+          <a:bodyPr/>
+          <a:lstStyle/>
+          <a:p>
+            <a:fld id="{DB588EEF-D3FB-47DB-BAE8-79617CF8CEAA}" type="slidenum">
+              <a:rPr lang="ru-RU" smtClean="0"/>
+              <a:pPr/>
+              <a:t>3</a:t>
+            </a:fld>
+            <a:endParaRPr lang="ru-RU" dirty="0"/>
+          </a:p>
+        </p:txBody>
+      </p:sp>
+      <p:pic>
+        <p:nvPicPr>
+          <p:cNvPr id="5" name="Объект 4">
+            <a:extLst>
+              <a:ext uri="{FF2B5EF4-FFF2-40B4-BE49-F238E27FC236}">
+                <a16:creationId xmlns:a16="http://schemas.microsoft.com/office/drawing/2014/main" id="{DFACAA67-961B-4A28-80DC-2F4C1230DC89}"/>
+              </a:ext>
+            </a:extLst>
+          </p:cNvPr>
+          <p:cNvPicPr>
+            <a:picLocks noGrp="1" noChangeAspect="1"/>
+          </p:cNvPicPr>
+          <p:nvPr>
+            <p:ph idx="1"/>
+          </p:nvPr>
+        </p:nvPicPr>
+        <p:blipFill>
+          <a:blip r:embed="rId3" cstate="print"/>
+          <a:srcRect/>
+          <a:stretch>
+            <a:fillRect/>
+          </a:stretch>
+        </p:blipFill>
+        <p:spPr bwMode="auto">
+          <a:xfrm>
+            <a:off x="1234126" y="1690688"/>
+            <a:ext cx="2629267" cy="1886213"/>
+          </a:xfrm>
+          <a:prstGeom prst="rect">
+            <a:avLst/>
+          </a:prstGeom>
+          <a:noFill/>
+          <a:ln w="9525">
+            <a:noFill/>
+            <a:miter lim="800000"/>
+            <a:headEnd/>
+            <a:tailEnd/>
+          </a:ln>
+        </p:spPr>
+      </p:pic>
+      <p:sp>
+        <p:nvSpPr>
+          <p:cNvPr id="6" name="TextBox 5">
+            <a:extLst>
+              <a:ext uri="{FF2B5EF4-FFF2-40B4-BE49-F238E27FC236}">
+                <a16:creationId xmlns:a16="http://schemas.microsoft.com/office/drawing/2014/main" id="{ADB2FFB9-E9D7-44BE-A799-C06D462735F0}"/>
+              </a:ext>
+            </a:extLst>
+          </p:cNvPr>
+          <p:cNvSpPr txBox="1"/>
+          <p:nvPr/>
+        </p:nvSpPr>
+        <p:spPr>
+          <a:xfrm>
+            <a:off x="5577085" y="1933595"/>
+            <a:ext cx="5769143" cy="738664"/>
+          </a:xfrm>
+          <a:prstGeom prst="rect">
+            <a:avLst/>
+          </a:prstGeom>
+          <a:noFill/>
+        </p:spPr>
+        <p:txBody>
+          <a:bodyPr wrap="none" rtlCol="0">
+            <a:spAutoFit/>
+          </a:bodyPr>
+          <a:lstStyle/>
+          <a:p>
+            <a:r>
+              <a:rPr lang="ru-RU" sz="2400" dirty="0"/>
+              <a:t>Синфазная и квадратурная составляющие:</a:t>
+            </a:r>
+          </a:p>
+          <a:p>
+            <a:endParaRPr lang="ru-RU" dirty="0"/>
+          </a:p>
+        </p:txBody>
+      </p:sp>
+      <p:sp>
+        <p:nvSpPr>
+          <p:cNvPr id="7" name="Rectangle 2">
+            <a:extLst>
+              <a:ext uri="{FF2B5EF4-FFF2-40B4-BE49-F238E27FC236}">
+                <a16:creationId xmlns:a16="http://schemas.microsoft.com/office/drawing/2014/main" id="{A6A33A8C-A3E8-48B0-97FC-A0E02C5FDF40}"/>
+              </a:ext>
+            </a:extLst>
+          </p:cNvPr>
+          <p:cNvSpPr>
+            <a:spLocks noChangeArrowheads="1"/>
+          </p:cNvSpPr>
+          <p:nvPr/>
+        </p:nvSpPr>
+        <p:spPr bwMode="auto">
+          <a:xfrm>
+            <a:off x="0" y="0"/>
+            <a:ext cx="12192000" cy="0"/>
+          </a:xfrm>
+          <a:prstGeom prst="rect">
+            <a:avLst/>
+          </a:prstGeom>
+          <a:noFill/>
+          <a:ln>
+            <a:noFill/>
+          </a:ln>
+          <a:effectLst/>
+          <a:extLst>
+            <a:ext uri="{909E8E84-426E-40DD-AFC4-6F175D3DCCD1}">
+              <a14:hiddenFill xmlns:a14="http://schemas.microsoft.com/office/drawing/2010/main">
+                <a:solidFill>
+                  <a:schemeClr val="accent1"/>
+                </a:solidFill>
+              </a14:hiddenFill>
+            </a:ext>
+            <a:ext uri="{91240B29-F687-4F45-9708-019B960494DF}">
+              <a14:hiddenLine xmlns:a14="http://schemas.microsoft.com/office/drawing/2010/main" w="9525">
+                <a:solidFill>
+                  <a:schemeClr val="tx1"/>
+                </a:solidFill>
+                <a:miter lim="800000"/>
+                <a:headEnd/>
+                <a:tailEnd/>
+              </a14:hiddenLine>
+            </a:ext>
+            <a:ext uri="{AF507438-7753-43E0-B8FC-AC1667EBCBE1}">
+              <a14:hiddenEffects xmlns:a14="http://schemas.microsoft.com/office/drawing/2010/main">
+                <a:effectLst>
+                  <a:outerShdw dist="35921" dir="2700000" algn="ctr" rotWithShape="0">
+                    <a:schemeClr val="bg2"/>
+                  </a:outerShdw>
+                </a:effectLst>
+              </a14:hiddenEffects>
+            </a:ext>
+          </a:extLst>
+        </p:spPr>
+        <p:txBody>
+          <a:bodyPr vert="horz" wrap="none" lIns="91440" tIns="45720" rIns="91440" bIns="45720" numCol="1" anchor="ctr" anchorCtr="0" compatLnSpc="1">
+            <a:prstTxWarp prst="textNoShape">
+              <a:avLst/>
+            </a:prstTxWarp>
+            <a:spAutoFit/>
+          </a:bodyPr>
+          <a:lstStyle/>
+          <a:p>
+            <a:endParaRPr lang="ru-RU"/>
+          </a:p>
+        </p:txBody>
+      </p:sp>
+      <p:graphicFrame>
+        <p:nvGraphicFramePr>
+          <p:cNvPr id="8" name="Объект 7">
+            <a:extLst>
+              <a:ext uri="{FF2B5EF4-FFF2-40B4-BE49-F238E27FC236}">
+                <a16:creationId xmlns:a16="http://schemas.microsoft.com/office/drawing/2014/main" id="{936B7576-9216-4DA4-A905-C9B18337E8EE}"/>
+              </a:ext>
+            </a:extLst>
+          </p:cNvPr>
+          <p:cNvGraphicFramePr>
+            <a:graphicFrameLocks noChangeAspect="1"/>
+          </p:cNvGraphicFramePr>
+          <p:nvPr>
+            <p:extLst>
+              <p:ext uri="{D42A27DB-BD31-4B8C-83A1-F6EECF244321}">
+                <p14:modId xmlns:p14="http://schemas.microsoft.com/office/powerpoint/2010/main" val="24062506"/>
+              </p:ext>
+            </p:extLst>
+          </p:nvPr>
+        </p:nvGraphicFramePr>
+        <p:xfrm>
+          <a:off x="5155285" y="2489437"/>
+          <a:ext cx="6612744" cy="437441"/>
+        </p:xfrm>
+        <a:graphic>
+          <a:graphicData uri="http://schemas.openxmlformats.org/presentationml/2006/ole">
+            <mc:AlternateContent xmlns:mc="http://schemas.openxmlformats.org/markup-compatibility/2006">
+              <mc:Choice xmlns:v="urn:schemas-microsoft-com:vml" Requires="v">
+                <p:oleObj spid="_x0000_s1031" r:id="rId4" imgW="3683000" imgH="241300" progId="Equation.3">
+                  <p:embed/>
+                </p:oleObj>
+              </mc:Choice>
+              <mc:Fallback>
+                <p:oleObj r:id="rId4" imgW="3683000" imgH="241300" progId="Equation.3">
+                  <p:embed/>
+                  <p:pic>
+                    <p:nvPicPr>
+                      <p:cNvPr id="0" name="Object 1"/>
+                      <p:cNvPicPr>
+                        <a:picLocks noChangeAspect="1" noChangeArrowheads="1"/>
+                      </p:cNvPicPr>
+                      <p:nvPr/>
+                    </p:nvPicPr>
+                    <p:blipFill>
+                      <a:blip r:embed="rId5">
+                        <a:extLst>
+                          <a:ext uri="{28A0092B-C50C-407E-A947-70E740481C1C}">
+                            <a14:useLocalDpi xmlns:a14="http://schemas.microsoft.com/office/drawing/2010/main" val="0"/>
+                          </a:ext>
+                        </a:extLst>
+                      </a:blip>
+                      <a:srcRect/>
+                      <a:stretch>
+                        <a:fillRect/>
+                      </a:stretch>
+                    </p:blipFill>
+                    <p:spPr bwMode="auto">
+                      <a:xfrm>
+                        <a:off x="5155285" y="2489437"/>
+                        <a:ext cx="6612744" cy="437441"/>
+                      </a:xfrm>
+                      <a:prstGeom prst="rect">
+                        <a:avLst/>
+                      </a:prstGeom>
+                      <a:noFill/>
+                    </p:spPr>
+                  </p:pic>
+                </p:oleObj>
+              </mc:Fallback>
+            </mc:AlternateContent>
+          </a:graphicData>
+        </a:graphic>
+      </p:graphicFrame>
+      <p:pic>
+        <p:nvPicPr>
+          <p:cNvPr id="12" name="Рисунок 11">
+            <a:extLst>
+              <a:ext uri="{FF2B5EF4-FFF2-40B4-BE49-F238E27FC236}">
+                <a16:creationId xmlns:a16="http://schemas.microsoft.com/office/drawing/2014/main" id="{3A8FE39A-9EED-4740-9EC0-40AB165C0387}"/>
+              </a:ext>
+            </a:extLst>
+          </p:cNvPr>
+          <p:cNvPicPr>
+            <a:picLocks noChangeAspect="1"/>
+          </p:cNvPicPr>
+          <p:nvPr/>
+        </p:nvPicPr>
+        <p:blipFill>
+          <a:blip r:embed="rId6"/>
+          <a:stretch>
+            <a:fillRect/>
+          </a:stretch>
+        </p:blipFill>
+        <p:spPr>
+          <a:xfrm>
+            <a:off x="924498" y="3733772"/>
+            <a:ext cx="3248522" cy="2975919"/>
+          </a:xfrm>
+          <a:prstGeom prst="rect">
+            <a:avLst/>
+          </a:prstGeom>
+        </p:spPr>
+      </p:pic>
+      <p:sp>
+        <p:nvSpPr>
+          <p:cNvPr id="13" name="TextBox 12">
+            <a:extLst>
+              <a:ext uri="{FF2B5EF4-FFF2-40B4-BE49-F238E27FC236}">
+                <a16:creationId xmlns:a16="http://schemas.microsoft.com/office/drawing/2014/main" id="{95C61A49-E727-46D7-B12B-D634893E2648}"/>
+              </a:ext>
+            </a:extLst>
+          </p:cNvPr>
+          <p:cNvSpPr txBox="1"/>
+          <p:nvPr/>
+        </p:nvSpPr>
+        <p:spPr>
+          <a:xfrm>
+            <a:off x="6315959" y="3344157"/>
+            <a:ext cx="4287840" cy="461665"/>
+          </a:xfrm>
+          <a:prstGeom prst="rect">
+            <a:avLst/>
+          </a:prstGeom>
+          <a:noFill/>
+        </p:spPr>
+        <p:txBody>
+          <a:bodyPr wrap="none" rtlCol="0">
+            <a:spAutoFit/>
+          </a:bodyPr>
+          <a:lstStyle/>
+          <a:p>
+            <a:r>
+              <a:rPr lang="ru-RU" sz="2400" dirty="0"/>
+              <a:t>Многопозиционная модуляция</a:t>
+            </a:r>
+          </a:p>
+        </p:txBody>
+      </p:sp>
+      <p:sp>
+        <p:nvSpPr>
+          <p:cNvPr id="17" name="TextBox 16">
+            <a:extLst>
+              <a:ext uri="{FF2B5EF4-FFF2-40B4-BE49-F238E27FC236}">
+                <a16:creationId xmlns:a16="http://schemas.microsoft.com/office/drawing/2014/main" id="{F6854ED6-6F9E-4AEA-96AC-8318E1430C7A}"/>
+              </a:ext>
+            </a:extLst>
+          </p:cNvPr>
+          <p:cNvSpPr txBox="1"/>
+          <p:nvPr/>
+        </p:nvSpPr>
+        <p:spPr>
+          <a:xfrm>
+            <a:off x="5412664" y="3940935"/>
+            <a:ext cx="6257719" cy="923330"/>
+          </a:xfrm>
+          <a:prstGeom prst="rect">
+            <a:avLst/>
+          </a:prstGeom>
+          <a:noFill/>
+        </p:spPr>
+        <p:txBody>
+          <a:bodyPr wrap="square">
+            <a:spAutoFit/>
+          </a:bodyPr>
+          <a:lstStyle/>
+          <a:p>
+            <a:pPr algn="just"/>
+            <a:r>
+              <a:rPr lang="ru-RU" dirty="0"/>
+              <a:t>Чтобы значения частоты отличались на одинаковую величину, разность между значениями символов информационного сигнала должна быть одинаковой</a:t>
+            </a:r>
+          </a:p>
+        </p:txBody>
+      </p:sp>
+    </p:spTree>
+    <p:extLst>
+      <p:ext uri="{BB962C8B-B14F-4D97-AF65-F5344CB8AC3E}">
+        <p14:creationId xmlns:p14="http://schemas.microsoft.com/office/powerpoint/2010/main" val="1045935836"/>
+      </p:ext>
+    </p:extLst>
+  </p:cSld>
+  <p:clrMapOvr>
+    <a:masterClrMapping/>
+  </p:clrMapOvr>
+</p:sld>
+</file>
+
+<file path=ppt/slides/slide4.xml><?xml version="1.0" encoding="utf-8"?>
+<p:sld xmlns:a="http://schemas.openxmlformats.org/drawingml/2006/main" xmlns:r="http://schemas.openxmlformats.org/officeDocument/2006/relationships" xmlns:p="http://schemas.openxmlformats.org/presentationml/2006/main">
+  <p:cSld>
+    <p:spTree>
+      <p:nvGrpSpPr>
+        <p:cNvPr id="1" name=""/>
+        <p:cNvGrpSpPr/>
+        <p:nvPr/>
+      </p:nvGrpSpPr>
+      <p:grpSpPr>
+        <a:xfrm>
+          <a:off x="0" y="0"/>
+          <a:ext cx="0" cy="0"/>
+          <a:chOff x="0" y="0"/>
+          <a:chExt cx="0" cy="0"/>
+        </a:xfrm>
+      </p:grpSpPr>
+      <p:sp>
+        <p:nvSpPr>
+          <p:cNvPr id="2" name="Заголовок 1">
+            <a:extLst>
+              <a:ext uri="{FF2B5EF4-FFF2-40B4-BE49-F238E27FC236}">
+                <a16:creationId xmlns:a16="http://schemas.microsoft.com/office/drawing/2014/main" id="{A632526C-402D-40E7-B377-1E2BBF163C45}"/>
+              </a:ext>
+            </a:extLst>
+          </p:cNvPr>
+          <p:cNvSpPr>
+            <a:spLocks noGrp="1"/>
+          </p:cNvSpPr>
+          <p:nvPr>
+            <p:ph type="title"/>
+          </p:nvPr>
+        </p:nvSpPr>
+        <p:spPr/>
+        <p:txBody>
+          <a:bodyPr/>
+          <a:lstStyle/>
+          <a:p>
+            <a:r>
+              <a:rPr lang="ru-RU" dirty="0"/>
+              <a:t>Частотная модуляция с минимальным сдвигом </a:t>
+            </a:r>
+          </a:p>
+        </p:txBody>
+      </p:sp>
+      <p:sp>
+        <p:nvSpPr>
+          <p:cNvPr id="3" name="Объект 2">
+            <a:extLst>
+              <a:ext uri="{FF2B5EF4-FFF2-40B4-BE49-F238E27FC236}">
+                <a16:creationId xmlns:a16="http://schemas.microsoft.com/office/drawing/2014/main" id="{6CE4ECEA-BDE0-4D45-B2A3-ED1A46531E8A}"/>
+              </a:ext>
+            </a:extLst>
+          </p:cNvPr>
+          <p:cNvSpPr>
+            <a:spLocks noGrp="1"/>
+          </p:cNvSpPr>
+          <p:nvPr>
+            <p:ph idx="1"/>
+          </p:nvPr>
+        </p:nvSpPr>
+        <p:spPr/>
+        <p:txBody>
+          <a:bodyPr/>
+          <a:lstStyle/>
+          <a:p>
+            <a:endParaRPr lang="ru-RU" dirty="0"/>
+          </a:p>
+        </p:txBody>
+      </p:sp>
+      <p:sp>
+        <p:nvSpPr>
+          <p:cNvPr id="4" name="Номер слайда 3">
+            <a:extLst>
+              <a:ext uri="{FF2B5EF4-FFF2-40B4-BE49-F238E27FC236}">
+                <a16:creationId xmlns:a16="http://schemas.microsoft.com/office/drawing/2014/main" id="{4EEB39FF-D747-4D9F-B5AD-03C3DDBC9D17}"/>
+              </a:ext>
+            </a:extLst>
+          </p:cNvPr>
+          <p:cNvSpPr>
+            <a:spLocks noGrp="1"/>
+          </p:cNvSpPr>
+          <p:nvPr>
+            <p:ph type="sldNum" sz="quarter" idx="12"/>
+          </p:nvPr>
+        </p:nvSpPr>
+        <p:spPr/>
+        <p:txBody>
+          <a:bodyPr/>
+          <a:lstStyle/>
+          <a:p>
+            <a:fld id="{DB588EEF-D3FB-47DB-BAE8-79617CF8CEAA}" type="slidenum">
+              <a:rPr lang="ru-RU" smtClean="0"/>
+              <a:pPr/>
+              <a:t>4</a:t>
+            </a:fld>
+            <a:endParaRPr lang="ru-RU" dirty="0"/>
+          </a:p>
+        </p:txBody>
+      </p:sp>
+    </p:spTree>
+    <p:extLst>
+      <p:ext uri="{BB962C8B-B14F-4D97-AF65-F5344CB8AC3E}">
+        <p14:creationId xmlns:p14="http://schemas.microsoft.com/office/powerpoint/2010/main" val="2206798179"/>
       </p:ext>
     </p:extLst>
   </p:cSld>
@@ -3747,4 +4722,299 @@
     </a:ext>
   </a:extLst>
 </a:theme>
+</file>
+
+<file path=ppt/theme/theme2.xml><?xml version="1.0" encoding="utf-8"?>
+<a:theme xmlns:a="http://schemas.openxmlformats.org/drawingml/2006/main" name="Тема Office">
+  <a:themeElements>
+    <a:clrScheme name="Стандартная">
+      <a:dk1>
+        <a:sysClr val="windowText" lastClr="000000"/>
+      </a:dk1>
+      <a:lt1>
+        <a:sysClr val="window" lastClr="FFFFFF"/>
+      </a:lt1>
+      <a:dk2>
+        <a:srgbClr val="44546A"/>
+      </a:dk2>
+      <a:lt2>
+        <a:srgbClr val="E7E6E6"/>
+      </a:lt2>
+      <a:accent1>
+        <a:srgbClr val="4472C4"/>
+      </a:accent1>
+      <a:accent2>
+        <a:srgbClr val="ED7D31"/>
+      </a:accent2>
+      <a:accent3>
+        <a:srgbClr val="A5A5A5"/>
+      </a:accent3>
+      <a:accent4>
+        <a:srgbClr val="FFC000"/>
+      </a:accent4>
+      <a:accent5>
+        <a:srgbClr val="5B9BD5"/>
+      </a:accent5>
+      <a:accent6>
+        <a:srgbClr val="70AD47"/>
+      </a:accent6>
+      <a:hlink>
+        <a:srgbClr val="0563C1"/>
+      </a:hlink>
+      <a:folHlink>
+        <a:srgbClr val="954F72"/>
+      </a:folHlink>
+    </a:clrScheme>
+    <a:fontScheme name="Стандартная">
+      <a:majorFont>
+        <a:latin typeface="Calibri Light" panose="020F0302020204030204"/>
+        <a:ea typeface=""/>
+        <a:cs typeface=""/>
+        <a:font script="Jpan" typeface="游ゴシック Light"/>
+        <a:font script="Hang" typeface="맑은 고딕"/>
+        <a:font script="Hans" typeface="等线 Light"/>
+        <a:font script="Hant" typeface="新細明體"/>
+        <a:font script="Arab" typeface="Times New Roman"/>
+        <a:font script="Hebr" typeface="Times New Roman"/>
+        <a:font script="Thai" typeface="Angsana New"/>
+        <a:font script="Ethi" typeface="Nyala"/>
+        <a:font script="Beng" typeface="Vrinda"/>
+        <a:font script="Gujr" typeface="Shruti"/>
+        <a:font script="Khmr" typeface="MoolBoran"/>
+        <a:font script="Knda" typeface="Tunga"/>
+        <a:font script="Guru" typeface="Raavi"/>
+        <a:font script="Cans" typeface="Euphemia"/>
+        <a:font script="Cher" typeface="Plantagenet Cherokee"/>
+        <a:font script="Yiii" typeface="Microsoft Yi Baiti"/>
+        <a:font script="Tibt" typeface="Microsoft Himalaya"/>
+        <a:font script="Thaa" typeface="MV Boli"/>
+        <a:font script="Deva" typeface="Mangal"/>
+        <a:font script="Telu" typeface="Gautami"/>
+        <a:font script="Taml" typeface="Latha"/>
+        <a:font script="Syrc" typeface="Estrangelo Edessa"/>
+        <a:font script="Orya" typeface="Kalinga"/>
+        <a:font script="Mlym" typeface="Kartika"/>
+        <a:font script="Laoo" typeface="DokChampa"/>
+        <a:font script="Sinh" typeface="Iskoola Pota"/>
+        <a:font script="Mong" typeface="Mongolian Baiti"/>
+        <a:font script="Viet" typeface="Times New Roman"/>
+        <a:font script="Uigh" typeface="Microsoft Uighur"/>
+        <a:font script="Geor" typeface="Sylfaen"/>
+        <a:font script="Armn" typeface="Arial"/>
+        <a:font script="Bugi" typeface="Leelawadee UI"/>
+        <a:font script="Bopo" typeface="Microsoft JhengHei"/>
+        <a:font script="Java" typeface="Javanese Text"/>
+        <a:font script="Lisu" typeface="Segoe UI"/>
+        <a:font script="Mymr" typeface="Myanmar Text"/>
+        <a:font script="Nkoo" typeface="Ebrima"/>
+        <a:font script="Olck" typeface="Nirmala UI"/>
+        <a:font script="Osma" typeface="Ebrima"/>
+        <a:font script="Phag" typeface="Phagspa"/>
+        <a:font script="Syrn" typeface="Estrangelo Edessa"/>
+        <a:font script="Syrj" typeface="Estrangelo Edessa"/>
+        <a:font script="Syre" typeface="Estrangelo Edessa"/>
+        <a:font script="Sora" typeface="Nirmala UI"/>
+        <a:font script="Tale" typeface="Microsoft Tai Le"/>
+        <a:font script="Talu" typeface="Microsoft New Tai Lue"/>
+        <a:font script="Tfng" typeface="Ebrima"/>
+      </a:majorFont>
+      <a:minorFont>
+        <a:latin typeface="Calibri" panose="020F0502020204030204"/>
+        <a:ea typeface=""/>
+        <a:cs typeface=""/>
+        <a:font script="Jpan" typeface="游ゴシック"/>
+        <a:font script="Hang" typeface="맑은 고딕"/>
+        <a:font script="Hans" typeface="等线"/>
+        <a:font script="Hant" typeface="新細明體"/>
+        <a:font script="Arab" typeface="Arial"/>
+        <a:font script="Hebr" typeface="Arial"/>
+        <a:font script="Thai" typeface="Cordia New"/>
+        <a:font script="Ethi" typeface="Nyala"/>
+        <a:font script="Beng" typeface="Vrinda"/>
+        <a:font script="Gujr" typeface="Shruti"/>
+        <a:font script="Khmr" typeface="DaunPenh"/>
+        <a:font script="Knda" typeface="Tunga"/>
+        <a:font script="Guru" typeface="Raavi"/>
+        <a:font script="Cans" typeface="Euphemia"/>
+        <a:font script="Cher" typeface="Plantagenet Cherokee"/>
+        <a:font script="Yiii" typeface="Microsoft Yi Baiti"/>
+        <a:font script="Tibt" typeface="Microsoft Himalaya"/>
+        <a:font script="Thaa" typeface="MV Boli"/>
+        <a:font script="Deva" typeface="Mangal"/>
+        <a:font script="Telu" typeface="Gautami"/>
+        <a:font script="Taml" typeface="Latha"/>
+        <a:font script="Syrc" typeface="Estrangelo Edessa"/>
+        <a:font script="Orya" typeface="Kalinga"/>
+        <a:font script="Mlym" typeface="Kartika"/>
+        <a:font script="Laoo" typeface="DokChampa"/>
+        <a:font script="Sinh" typeface="Iskoola Pota"/>
+        <a:font script="Mong" typeface="Mongolian Baiti"/>
+        <a:font script="Viet" typeface="Arial"/>
+        <a:font script="Uigh" typeface="Microsoft Uighur"/>
+        <a:font script="Geor" typeface="Sylfaen"/>
+        <a:font script="Armn" typeface="Arial"/>
+        <a:font script="Bugi" typeface="Leelawadee UI"/>
+        <a:font script="Bopo" typeface="Microsoft JhengHei"/>
+        <a:font script="Java" typeface="Javanese Text"/>
+        <a:font script="Lisu" typeface="Segoe UI"/>
+        <a:font script="Mymr" typeface="Myanmar Text"/>
+        <a:font script="Nkoo" typeface="Ebrima"/>
+        <a:font script="Olck" typeface="Nirmala UI"/>
+        <a:font script="Osma" typeface="Ebrima"/>
+        <a:font script="Phag" typeface="Phagspa"/>
+        <a:font script="Syrn" typeface="Estrangelo Edessa"/>
+        <a:font script="Syrj" typeface="Estrangelo Edessa"/>
+        <a:font script="Syre" typeface="Estrangelo Edessa"/>
+        <a:font script="Sora" typeface="Nirmala UI"/>
+        <a:font script="Tale" typeface="Microsoft Tai Le"/>
+        <a:font script="Talu" typeface="Microsoft New Tai Lue"/>
+        <a:font script="Tfng" typeface="Ebrima"/>
+      </a:minorFont>
+    </a:fontScheme>
+    <a:fmtScheme name="Стандартная">
+      <a:fillStyleLst>
+        <a:solidFill>
+          <a:schemeClr val="phClr"/>
+        </a:solidFill>
+        <a:gradFill rotWithShape="1">
+          <a:gsLst>
+            <a:gs pos="0">
+              <a:schemeClr val="phClr">
+                <a:lumMod val="110000"/>
+                <a:satMod val="105000"/>
+                <a:tint val="67000"/>
+              </a:schemeClr>
+            </a:gs>
+            <a:gs pos="50000">
+              <a:schemeClr val="phClr">
+                <a:lumMod val="105000"/>
+                <a:satMod val="103000"/>
+                <a:tint val="73000"/>
+              </a:schemeClr>
+            </a:gs>
+            <a:gs pos="100000">
+              <a:schemeClr val="phClr">
+                <a:lumMod val="105000"/>
+                <a:satMod val="109000"/>
+                <a:tint val="81000"/>
+              </a:schemeClr>
+            </a:gs>
+          </a:gsLst>
+          <a:lin ang="5400000" scaled="0"/>
+        </a:gradFill>
+        <a:gradFill rotWithShape="1">
+          <a:gsLst>
+            <a:gs pos="0">
+              <a:schemeClr val="phClr">
+                <a:satMod val="103000"/>
+                <a:lumMod val="102000"/>
+                <a:tint val="94000"/>
+              </a:schemeClr>
+            </a:gs>
+            <a:gs pos="50000">
+              <a:schemeClr val="phClr">
+                <a:satMod val="110000"/>
+                <a:lumMod val="100000"/>
+                <a:shade val="100000"/>
+              </a:schemeClr>
+            </a:gs>
+            <a:gs pos="100000">
+              <a:schemeClr val="phClr">
+                <a:lumMod val="99000"/>
+                <a:satMod val="120000"/>
+                <a:shade val="78000"/>
+              </a:schemeClr>
+            </a:gs>
+          </a:gsLst>
+          <a:lin ang="5400000" scaled="0"/>
+        </a:gradFill>
+      </a:fillStyleLst>
+      <a:lnStyleLst>
+        <a:ln w="6350" cap="flat" cmpd="sng" algn="ctr">
+          <a:solidFill>
+            <a:schemeClr val="phClr"/>
+          </a:solidFill>
+          <a:prstDash val="solid"/>
+          <a:miter lim="800000"/>
+        </a:ln>
+        <a:ln w="12700" cap="flat" cmpd="sng" algn="ctr">
+          <a:solidFill>
+            <a:schemeClr val="phClr"/>
+          </a:solidFill>
+          <a:prstDash val="solid"/>
+          <a:miter lim="800000"/>
+        </a:ln>
+        <a:ln w="19050" cap="flat" cmpd="sng" algn="ctr">
+          <a:solidFill>
+            <a:schemeClr val="phClr"/>
+          </a:solidFill>
+          <a:prstDash val="solid"/>
+          <a:miter lim="800000"/>
+        </a:ln>
+      </a:lnStyleLst>
+      <a:effectStyleLst>
+        <a:effectStyle>
+          <a:effectLst/>
+        </a:effectStyle>
+        <a:effectStyle>
+          <a:effectLst/>
+        </a:effectStyle>
+        <a:effectStyle>
+          <a:effectLst>
+            <a:outerShdw blurRad="57150" dist="19050" dir="5400000" algn="ctr" rotWithShape="0">
+              <a:srgbClr val="000000">
+                <a:alpha val="63000"/>
+              </a:srgbClr>
+            </a:outerShdw>
+          </a:effectLst>
+        </a:effectStyle>
+      </a:effectStyleLst>
+      <a:bgFillStyleLst>
+        <a:solidFill>
+          <a:schemeClr val="phClr"/>
+        </a:solidFill>
+        <a:solidFill>
+          <a:schemeClr val="phClr">
+            <a:tint val="95000"/>
+            <a:satMod val="170000"/>
+          </a:schemeClr>
+        </a:solidFill>
+        <a:gradFill rotWithShape="1">
+          <a:gsLst>
+            <a:gs pos="0">
+              <a:schemeClr val="phClr">
+                <a:tint val="93000"/>
+                <a:satMod val="150000"/>
+                <a:shade val="98000"/>
+                <a:lumMod val="102000"/>
+              </a:schemeClr>
+            </a:gs>
+            <a:gs pos="50000">
+              <a:schemeClr val="phClr">
+                <a:tint val="98000"/>
+                <a:satMod val="130000"/>
+                <a:shade val="90000"/>
+                <a:lumMod val="103000"/>
+              </a:schemeClr>
+            </a:gs>
+            <a:gs pos="100000">
+              <a:schemeClr val="phClr">
+                <a:shade val="63000"/>
+                <a:satMod val="120000"/>
+              </a:schemeClr>
+            </a:gs>
+          </a:gsLst>
+          <a:lin ang="5400000" scaled="0"/>
+        </a:gradFill>
+      </a:bgFillStyleLst>
+    </a:fmtScheme>
+  </a:themeElements>
+  <a:objectDefaults/>
+  <a:extraClrSchemeLst/>
+  <a:extLst>
+    <a:ext uri="{05A4C25C-085E-4340-85A3-A5531E510DB2}">
+      <thm15:themeFamily xmlns:thm15="http://schemas.microsoft.com/office/thememl/2012/main" name="Office Theme" id="{62F939B6-93AF-4DB8-9C6B-D6C7DFDC589F}" vid="{4A3C46E8-61CC-4603-A589-7422A47A8E4A}"/>
+    </a:ext>
+  </a:extLst>
+</a:theme>
 </file>
--- a/Аверина/Нелинейная цифровая модуляция.pptx
+++ b/Аверина/Нелинейная цифровая модуляция.pptx
@@ -5,13 +5,19 @@
     <p:sldMasterId id="2147483648" r:id="rId1"/>
   </p:sldMasterIdLst>
   <p:notesMasterIdLst>
-    <p:notesMasterId r:id="rId6"/>
+    <p:notesMasterId r:id="rId12"/>
   </p:notesMasterIdLst>
   <p:sldIdLst>
     <p:sldId id="256" r:id="rId2"/>
     <p:sldId id="257" r:id="rId3"/>
     <p:sldId id="258" r:id="rId4"/>
     <p:sldId id="259" r:id="rId5"/>
+    <p:sldId id="260" r:id="rId6"/>
+    <p:sldId id="261" r:id="rId7"/>
+    <p:sldId id="262" r:id="rId8"/>
+    <p:sldId id="263" r:id="rId9"/>
+    <p:sldId id="264" r:id="rId10"/>
+    <p:sldId id="265" r:id="rId11"/>
   </p:sldIdLst>
   <p:sldSz cx="12192000" cy="6858000"/>
   <p:notesSz cx="6858000" cy="9144000"/>
@@ -200,7 +206,7 @@
           <a:p>
             <a:fld id="{45F810B1-9DB1-44CE-81DA-AA7941315D9C}" type="datetimeFigureOut">
               <a:rPr lang="ru-RU" smtClean="0"/>
-              <a:t>02.03.2023</a:t>
+              <a:t>04.03.2023</a:t>
             </a:fld>
             <a:endParaRPr lang="ru-RU"/>
           </a:p>
@@ -614,7 +620,7 @@
           <a:p>
             <a:fld id="{B487F7A7-99C9-4308-B591-3BC7A874C59A}" type="datetime1">
               <a:rPr lang="ru-RU" smtClean="0"/>
-              <a:t>02.03.2023</a:t>
+              <a:t>04.03.2023</a:t>
             </a:fld>
             <a:endParaRPr lang="ru-RU"/>
           </a:p>
@@ -812,7 +818,7 @@
           <a:p>
             <a:fld id="{7F8C2C21-83C4-4ED8-9DFC-DCCCE468B407}" type="datetime1">
               <a:rPr lang="ru-RU" smtClean="0"/>
-              <a:t>02.03.2023</a:t>
+              <a:t>04.03.2023</a:t>
             </a:fld>
             <a:endParaRPr lang="ru-RU"/>
           </a:p>
@@ -1020,7 +1026,7 @@
           <a:p>
             <a:fld id="{42E2A09E-7C82-4D05-8425-A82CCC2EB0F2}" type="datetime1">
               <a:rPr lang="ru-RU" smtClean="0"/>
-              <a:t>02.03.2023</a:t>
+              <a:t>04.03.2023</a:t>
             </a:fld>
             <a:endParaRPr lang="ru-RU"/>
           </a:p>
@@ -1222,7 +1228,7 @@
           <a:p>
             <a:fld id="{6EB5F98D-A71D-4C0D-B5F9-1A5CAC62AD74}" type="datetime1">
               <a:rPr lang="ru-RU" smtClean="0"/>
-              <a:t>02.03.2023</a:t>
+              <a:t>04.03.2023</a:t>
             </a:fld>
             <a:endParaRPr lang="ru-RU"/>
           </a:p>
@@ -1506,7 +1512,7 @@
           <a:p>
             <a:fld id="{9E56E510-000F-4BEC-9943-8D5AF3A8770D}" type="datetime1">
               <a:rPr lang="ru-RU" smtClean="0"/>
-              <a:t>02.03.2023</a:t>
+              <a:t>04.03.2023</a:t>
             </a:fld>
             <a:endParaRPr lang="ru-RU"/>
           </a:p>
@@ -1771,7 +1777,7 @@
           <a:p>
             <a:fld id="{F61D75E5-C1EF-4265-8113-CE0C7A03F344}" type="datetime1">
               <a:rPr lang="ru-RU" smtClean="0"/>
-              <a:t>02.03.2023</a:t>
+              <a:t>04.03.2023</a:t>
             </a:fld>
             <a:endParaRPr lang="ru-RU"/>
           </a:p>
@@ -2183,7 +2189,7 @@
           <a:p>
             <a:fld id="{171E9663-6A83-45B9-8E4C-F896444330E0}" type="datetime1">
               <a:rPr lang="ru-RU" smtClean="0"/>
-              <a:t>02.03.2023</a:t>
+              <a:t>04.03.2023</a:t>
             </a:fld>
             <a:endParaRPr lang="ru-RU"/>
           </a:p>
@@ -2324,7 +2330,7 @@
           <a:p>
             <a:fld id="{4D0E395D-C70D-4F30-85F0-2CF1BD3DA017}" type="datetime1">
               <a:rPr lang="ru-RU" smtClean="0"/>
-              <a:t>02.03.2023</a:t>
+              <a:t>04.03.2023</a:t>
             </a:fld>
             <a:endParaRPr lang="ru-RU"/>
           </a:p>
@@ -2437,7 +2443,7 @@
           <a:p>
             <a:fld id="{BC337E0A-E1C6-4744-92C9-1B9E4614C66A}" type="datetime1">
               <a:rPr lang="ru-RU" smtClean="0"/>
-              <a:t>02.03.2023</a:t>
+              <a:t>04.03.2023</a:t>
             </a:fld>
             <a:endParaRPr lang="ru-RU"/>
           </a:p>
@@ -2748,7 +2754,7 @@
           <a:p>
             <a:fld id="{4DF8685B-82AC-47D8-8803-90EBBA7E8209}" type="datetime1">
               <a:rPr lang="ru-RU" smtClean="0"/>
-              <a:t>02.03.2023</a:t>
+              <a:t>04.03.2023</a:t>
             </a:fld>
             <a:endParaRPr lang="ru-RU"/>
           </a:p>
@@ -3036,7 +3042,7 @@
           <a:p>
             <a:fld id="{9C2DDD87-2EEC-46DB-82F2-ACF9473AC690}" type="datetime1">
               <a:rPr lang="ru-RU" smtClean="0"/>
-              <a:t>02.03.2023</a:t>
+              <a:t>04.03.2023</a:t>
             </a:fld>
             <a:endParaRPr lang="ru-RU"/>
           </a:p>
@@ -3277,7 +3283,7 @@
           <a:p>
             <a:fld id="{4940CB2F-2F0E-4202-BC12-B3BA2EFFA9CC}" type="datetime1">
               <a:rPr lang="ru-RU" smtClean="0"/>
-              <a:t>02.03.2023</a:t>
+              <a:t>04.03.2023</a:t>
             </a:fld>
             <a:endParaRPr lang="ru-RU"/>
           </a:p>
@@ -3743,6 +3749,119 @@
 </p:sld>
 </file>
 
+<file path=ppt/slides/slide10.xml><?xml version="1.0" encoding="utf-8"?>
+<p:sld xmlns:a="http://schemas.openxmlformats.org/drawingml/2006/main" xmlns:r="http://schemas.openxmlformats.org/officeDocument/2006/relationships" xmlns:p="http://schemas.openxmlformats.org/presentationml/2006/main">
+  <p:cSld>
+    <p:spTree>
+      <p:nvGrpSpPr>
+        <p:cNvPr id="1" name=""/>
+        <p:cNvGrpSpPr/>
+        <p:nvPr/>
+      </p:nvGrpSpPr>
+      <p:grpSpPr>
+        <a:xfrm>
+          <a:off x="0" y="0"/>
+          <a:ext cx="0" cy="0"/>
+          <a:chOff x="0" y="0"/>
+          <a:chExt cx="0" cy="0"/>
+        </a:xfrm>
+      </p:grpSpPr>
+      <p:sp>
+        <p:nvSpPr>
+          <p:cNvPr id="2" name="Заголовок 1">
+            <a:extLst>
+              <a:ext uri="{FF2B5EF4-FFF2-40B4-BE49-F238E27FC236}">
+                <a16:creationId xmlns:a16="http://schemas.microsoft.com/office/drawing/2014/main" id="{6872CC3A-B2BB-4DB6-8583-29EB8C4B90BB}"/>
+              </a:ext>
+            </a:extLst>
+          </p:cNvPr>
+          <p:cNvSpPr>
+            <a:spLocks noGrp="1"/>
+          </p:cNvSpPr>
+          <p:nvPr>
+            <p:ph type="title"/>
+          </p:nvPr>
+        </p:nvSpPr>
+        <p:spPr/>
+        <p:txBody>
+          <a:bodyPr/>
+          <a:lstStyle/>
+          <a:p>
+            <a:r>
+              <a:rPr lang="ru-RU" dirty="0"/>
+              <a:t>Итоговое сравнение</a:t>
+            </a:r>
+          </a:p>
+        </p:txBody>
+      </p:sp>
+      <p:sp>
+        <p:nvSpPr>
+          <p:cNvPr id="3" name="Объект 2">
+            <a:extLst>
+              <a:ext uri="{FF2B5EF4-FFF2-40B4-BE49-F238E27FC236}">
+                <a16:creationId xmlns:a16="http://schemas.microsoft.com/office/drawing/2014/main" id="{F338D232-9CB3-464E-A1BF-46C8ED629E7F}"/>
+              </a:ext>
+            </a:extLst>
+          </p:cNvPr>
+          <p:cNvSpPr>
+            <a:spLocks noGrp="1"/>
+          </p:cNvSpPr>
+          <p:nvPr>
+            <p:ph idx="1"/>
+          </p:nvPr>
+        </p:nvSpPr>
+        <p:spPr/>
+        <p:txBody>
+          <a:bodyPr/>
+          <a:lstStyle/>
+          <a:p>
+            <a:endParaRPr lang="ru-RU"/>
+          </a:p>
+        </p:txBody>
+      </p:sp>
+      <p:sp>
+        <p:nvSpPr>
+          <p:cNvPr id="4" name="Номер слайда 3">
+            <a:extLst>
+              <a:ext uri="{FF2B5EF4-FFF2-40B4-BE49-F238E27FC236}">
+                <a16:creationId xmlns:a16="http://schemas.microsoft.com/office/drawing/2014/main" id="{6DB92F15-06C7-40F0-B082-BB6CAE8C2424}"/>
+              </a:ext>
+            </a:extLst>
+          </p:cNvPr>
+          <p:cNvSpPr>
+            <a:spLocks noGrp="1"/>
+          </p:cNvSpPr>
+          <p:nvPr>
+            <p:ph type="sldNum" sz="quarter" idx="12"/>
+          </p:nvPr>
+        </p:nvSpPr>
+        <p:spPr/>
+        <p:txBody>
+          <a:bodyPr/>
+          <a:lstStyle/>
+          <a:p>
+            <a:fld id="{DB588EEF-D3FB-47DB-BAE8-79617CF8CEAA}" type="slidenum">
+              <a:rPr lang="ru-RU" smtClean="0"/>
+              <a:pPr/>
+              <a:t>10</a:t>
+            </a:fld>
+            <a:endParaRPr lang="ru-RU" dirty="0"/>
+          </a:p>
+        </p:txBody>
+      </p:sp>
+    </p:spTree>
+    <p:extLst>
+      <p:ext uri="{BB962C8B-B14F-4D97-AF65-F5344CB8AC3E}">
+        <p14:creationId xmlns:p14="http://schemas.microsoft.com/office/powerpoint/2010/main" val="2769094719"/>
+      </p:ext>
+    </p:extLst>
+  </p:cSld>
+  <p:clrMapOvr>
+    <a:masterClrMapping/>
+  </p:clrMapOvr>
+</p:sld>
+</file>
+
 <file path=ppt/slides/slide2.xml><?xml version="1.0" encoding="utf-8"?>
 <p:sld xmlns:a="http://schemas.openxmlformats.org/drawingml/2006/main" xmlns:r="http://schemas.openxmlformats.org/officeDocument/2006/relationships" xmlns:p="http://schemas.openxmlformats.org/presentationml/2006/main">
   <p:cSld>
@@ -3932,7 +4051,12 @@
             <p:ph type="title"/>
           </p:nvPr>
         </p:nvSpPr>
-        <p:spPr/>
+        <p:spPr>
+          <a:xfrm>
+            <a:off x="830628" y="37720"/>
+            <a:ext cx="10515600" cy="1325563"/>
+          </a:xfrm>
+        </p:spPr>
         <p:txBody>
           <a:bodyPr/>
           <a:lstStyle/>
@@ -3982,46 +4106,6 @@
           </a:p>
         </p:txBody>
       </p:sp>
-      <p:pic>
-        <p:nvPicPr>
-          <p:cNvPr id="5" name="Объект 4">
-            <a:extLst>
-              <a:ext uri="{FF2B5EF4-FFF2-40B4-BE49-F238E27FC236}">
-                <a16:creationId xmlns:a16="http://schemas.microsoft.com/office/drawing/2014/main" id="{DFACAA67-961B-4A28-80DC-2F4C1230DC89}"/>
-              </a:ext>
-            </a:extLst>
-          </p:cNvPr>
-          <p:cNvPicPr>
-            <a:picLocks noGrp="1" noChangeAspect="1"/>
-          </p:cNvPicPr>
-          <p:nvPr>
-            <p:ph idx="1"/>
-          </p:nvPr>
-        </p:nvPicPr>
-        <p:blipFill>
-          <a:blip r:embed="rId3" cstate="print"/>
-          <a:srcRect/>
-          <a:stretch>
-            <a:fillRect/>
-          </a:stretch>
-        </p:blipFill>
-        <p:spPr bwMode="auto">
-          <a:xfrm>
-            <a:off x="1234126" y="1690688"/>
-            <a:ext cx="2629267" cy="1886213"/>
-          </a:xfrm>
-          <a:prstGeom prst="rect">
-            <a:avLst/>
-          </a:prstGeom>
-          <a:noFill/>
-          <a:ln w="9525">
-            <a:noFill/>
-            <a:miter lim="800000"/>
-            <a:headEnd/>
-            <a:tailEnd/>
-          </a:ln>
-        </p:spPr>
-      </p:pic>
       <p:sp>
         <p:nvSpPr>
           <p:cNvPr id="6" name="TextBox 5">
@@ -4036,7 +4120,7 @@
         </p:nvSpPr>
         <p:spPr>
           <a:xfrm>
-            <a:off x="5577085" y="1933595"/>
+            <a:off x="5575307" y="1202669"/>
             <a:ext cx="5769143" cy="738664"/>
           </a:xfrm>
           <a:prstGeom prst="rect">
@@ -4144,25 +4228,25 @@
           <p:nvPr>
             <p:extLst>
               <p:ext uri="{D42A27DB-BD31-4B8C-83A1-F6EECF244321}">
-                <p14:modId xmlns:p14="http://schemas.microsoft.com/office/powerpoint/2010/main" val="24062506"/>
+                <p14:modId xmlns:p14="http://schemas.microsoft.com/office/powerpoint/2010/main" val="3135596741"/>
               </p:ext>
             </p:extLst>
           </p:nvPr>
         </p:nvGraphicFramePr>
         <p:xfrm>
-          <a:off x="5155285" y="2489437"/>
+          <a:off x="5153507" y="1753988"/>
           <a:ext cx="6612744" cy="437441"/>
         </p:xfrm>
         <a:graphic>
           <a:graphicData uri="http://schemas.openxmlformats.org/presentationml/2006/ole">
             <mc:AlternateContent xmlns:mc="http://schemas.openxmlformats.org/markup-compatibility/2006">
               <mc:Choice xmlns:v="urn:schemas-microsoft-com:vml" Requires="v">
-                <p:oleObj spid="_x0000_s1031" r:id="rId4" imgW="3683000" imgH="241300" progId="Equation.3">
+                <p:oleObj spid="_x0000_s1035" r:id="rId3" imgW="3683000" imgH="241300" progId="Equation.3">
                   <p:embed/>
                 </p:oleObj>
               </mc:Choice>
               <mc:Fallback>
-                <p:oleObj r:id="rId4" imgW="3683000" imgH="241300" progId="Equation.3">
+                <p:oleObj r:id="rId3" imgW="3683000" imgH="241300" progId="Equation.3">
                   <p:embed/>
                   <p:pic>
                     <p:nvPicPr>
@@ -4173,7 +4257,7 @@
                       <p:nvPr/>
                     </p:nvPicPr>
                     <p:blipFill>
-                      <a:blip r:embed="rId5">
+                      <a:blip r:embed="rId4">
                         <a:extLst>
                           <a:ext uri="{28A0092B-C50C-407E-A947-70E740481C1C}">
                             <a14:useLocalDpi xmlns:a14="http://schemas.microsoft.com/office/drawing/2010/main" val="0"/>
@@ -4187,7 +4271,7 @@
                     </p:blipFill>
                     <p:spPr bwMode="auto">
                       <a:xfrm>
-                        <a:off x="5155285" y="2489437"/>
+                        <a:off x="5153507" y="1753988"/>
                         <a:ext cx="6612744" cy="437441"/>
                       </a:xfrm>
                       <a:prstGeom prst="rect">
@@ -4217,14 +4301,14 @@
           <p:nvPr/>
         </p:nvPicPr>
         <p:blipFill>
-          <a:blip r:embed="rId6"/>
+          <a:blip r:embed="rId5"/>
           <a:stretch>
             <a:fillRect/>
           </a:stretch>
         </p:blipFill>
         <p:spPr>
           <a:xfrm>
-            <a:off x="924498" y="3733772"/>
+            <a:off x="6986339" y="3786022"/>
             <a:ext cx="3248522" cy="2975919"/>
           </a:xfrm>
           <a:prstGeom prst="rect">
@@ -4246,7 +4330,7 @@
         </p:nvSpPr>
         <p:spPr>
           <a:xfrm>
-            <a:off x="6315959" y="3344157"/>
+            <a:off x="6315958" y="2358546"/>
             <a:ext cx="4287840" cy="461665"/>
           </a:xfrm>
           <a:prstGeom prst="rect">
@@ -4281,8 +4365,8 @@
         </p:nvSpPr>
         <p:spPr>
           <a:xfrm>
-            <a:off x="5412664" y="3940935"/>
-            <a:ext cx="6257719" cy="923330"/>
+            <a:off x="5153508" y="2919306"/>
+            <a:ext cx="6612744" cy="923330"/>
           </a:xfrm>
           <a:prstGeom prst="rect">
             <a:avLst/>
@@ -4303,6 +4387,53 @@
           </a:p>
         </p:txBody>
       </p:sp>
+      <p:pic>
+        <p:nvPicPr>
+          <p:cNvPr id="1033" name="Picture 9" descr="undefined">
+            <a:extLst>
+              <a:ext uri="{FF2B5EF4-FFF2-40B4-BE49-F238E27FC236}">
+                <a16:creationId xmlns:a16="http://schemas.microsoft.com/office/drawing/2014/main" id="{414CBEBC-7CFF-4880-ADD7-2377C692129C}"/>
+              </a:ext>
+            </a:extLst>
+          </p:cNvPr>
+          <p:cNvPicPr>
+            <a:picLocks noChangeAspect="1" noChangeArrowheads="1"/>
+          </p:cNvPicPr>
+          <p:nvPr/>
+        </p:nvPicPr>
+        <p:blipFill>
+          <a:blip r:embed="rId6">
+            <a:extLst>
+              <a:ext uri="{28A0092B-C50C-407E-A947-70E740481C1C}">
+                <a14:useLocalDpi xmlns:a14="http://schemas.microsoft.com/office/drawing/2010/main" val="0"/>
+              </a:ext>
+            </a:extLst>
+          </a:blip>
+          <a:srcRect/>
+          <a:stretch>
+            <a:fillRect/>
+          </a:stretch>
+        </p:blipFill>
+        <p:spPr bwMode="auto">
+          <a:xfrm>
+            <a:off x="524914" y="1419701"/>
+            <a:ext cx="4206792" cy="4732641"/>
+          </a:xfrm>
+          <a:prstGeom prst="rect">
+            <a:avLst/>
+          </a:prstGeom>
+          <a:noFill/>
+          <a:extLst>
+            <a:ext uri="{909E8E84-426E-40DD-AFC4-6F175D3DCCD1}">
+              <a14:hiddenFill xmlns:a14="http://schemas.microsoft.com/office/drawing/2010/main">
+                <a:solidFill>
+                  <a:srgbClr val="FFFFFF"/>
+                </a:solidFill>
+              </a14:hiddenFill>
+            </a:ext>
+          </a:extLst>
+        </p:spPr>
+      </p:pic>
     </p:spTree>
     <p:extLst>
       <p:ext uri="{BB962C8B-B14F-4D97-AF65-F5344CB8AC3E}">
@@ -4363,31 +4494,6 @@
       </p:sp>
       <p:sp>
         <p:nvSpPr>
-          <p:cNvPr id="3" name="Объект 2">
-            <a:extLst>
-              <a:ext uri="{FF2B5EF4-FFF2-40B4-BE49-F238E27FC236}">
-                <a16:creationId xmlns:a16="http://schemas.microsoft.com/office/drawing/2014/main" id="{6CE4ECEA-BDE0-4D45-B2A3-ED1A46531E8A}"/>
-              </a:ext>
-            </a:extLst>
-          </p:cNvPr>
-          <p:cNvSpPr>
-            <a:spLocks noGrp="1"/>
-          </p:cNvSpPr>
-          <p:nvPr>
-            <p:ph idx="1"/>
-          </p:nvPr>
-        </p:nvSpPr>
-        <p:spPr/>
-        <p:txBody>
-          <a:bodyPr/>
-          <a:lstStyle/>
-          <a:p>
-            <a:endParaRPr lang="ru-RU" dirty="0"/>
-          </a:p>
-        </p:txBody>
-      </p:sp>
-      <p:sp>
-        <p:nvSpPr>
           <p:cNvPr id="4" name="Номер слайда 3">
             <a:extLst>
               <a:ext uri="{FF2B5EF4-FFF2-40B4-BE49-F238E27FC236}">
@@ -4416,10 +4522,893 @@
           </a:p>
         </p:txBody>
       </p:sp>
+      <p:pic>
+        <p:nvPicPr>
+          <p:cNvPr id="6" name="Объект 5">
+            <a:extLst>
+              <a:ext uri="{FF2B5EF4-FFF2-40B4-BE49-F238E27FC236}">
+                <a16:creationId xmlns:a16="http://schemas.microsoft.com/office/drawing/2014/main" id="{08B65517-B46D-46DA-BFAC-73C20F517CB6}"/>
+              </a:ext>
+            </a:extLst>
+          </p:cNvPr>
+          <p:cNvPicPr>
+            <a:picLocks noGrp="1" noChangeAspect="1"/>
+          </p:cNvPicPr>
+          <p:nvPr>
+            <p:ph idx="1"/>
+          </p:nvPr>
+        </p:nvPicPr>
+        <p:blipFill>
+          <a:blip r:embed="rId2" cstate="print"/>
+          <a:stretch>
+            <a:fillRect/>
+          </a:stretch>
+        </p:blipFill>
+        <p:spPr>
+          <a:xfrm>
+            <a:off x="568209" y="1813637"/>
+            <a:ext cx="5286375" cy="2867025"/>
+          </a:xfrm>
+          <a:prstGeom prst="rect">
+            <a:avLst/>
+          </a:prstGeom>
+        </p:spPr>
+      </p:pic>
     </p:spTree>
     <p:extLst>
       <p:ext uri="{BB962C8B-B14F-4D97-AF65-F5344CB8AC3E}">
         <p14:creationId xmlns:p14="http://schemas.microsoft.com/office/powerpoint/2010/main" val="2206798179"/>
+      </p:ext>
+    </p:extLst>
+  </p:cSld>
+  <p:clrMapOvr>
+    <a:masterClrMapping/>
+  </p:clrMapOvr>
+</p:sld>
+</file>
+
+<file path=ppt/slides/slide5.xml><?xml version="1.0" encoding="utf-8"?>
+<p:sld xmlns:a="http://schemas.openxmlformats.org/drawingml/2006/main" xmlns:r="http://schemas.openxmlformats.org/officeDocument/2006/relationships" xmlns:p="http://schemas.openxmlformats.org/presentationml/2006/main">
+  <p:cSld>
+    <p:spTree>
+      <p:nvGrpSpPr>
+        <p:cNvPr id="1" name=""/>
+        <p:cNvGrpSpPr/>
+        <p:nvPr/>
+      </p:nvGrpSpPr>
+      <p:grpSpPr>
+        <a:xfrm>
+          <a:off x="0" y="0"/>
+          <a:ext cx="0" cy="0"/>
+          <a:chOff x="0" y="0"/>
+          <a:chExt cx="0" cy="0"/>
+        </a:xfrm>
+      </p:grpSpPr>
+      <p:sp>
+        <p:nvSpPr>
+          <p:cNvPr id="2" name="Заголовок 1">
+            <a:extLst>
+              <a:ext uri="{FF2B5EF4-FFF2-40B4-BE49-F238E27FC236}">
+                <a16:creationId xmlns:a16="http://schemas.microsoft.com/office/drawing/2014/main" id="{07E30F9D-689B-4094-AC28-BA32E1F1B881}"/>
+              </a:ext>
+            </a:extLst>
+          </p:cNvPr>
+          <p:cNvSpPr>
+            <a:spLocks noGrp="1"/>
+          </p:cNvSpPr>
+          <p:nvPr>
+            <p:ph type="title"/>
+          </p:nvPr>
+        </p:nvSpPr>
+        <p:spPr/>
+        <p:txBody>
+          <a:bodyPr/>
+          <a:lstStyle/>
+          <a:p>
+            <a:r>
+              <a:rPr lang="ru-RU" dirty="0"/>
+              <a:t>Виды частотной модуляции с ограниченным спектром </a:t>
+            </a:r>
+          </a:p>
+        </p:txBody>
+      </p:sp>
+      <p:sp>
+        <p:nvSpPr>
+          <p:cNvPr id="3" name="Объект 2">
+            <a:extLst>
+              <a:ext uri="{FF2B5EF4-FFF2-40B4-BE49-F238E27FC236}">
+                <a16:creationId xmlns:a16="http://schemas.microsoft.com/office/drawing/2014/main" id="{A46FF6E7-F0CA-42D9-A295-68701C76485D}"/>
+              </a:ext>
+            </a:extLst>
+          </p:cNvPr>
+          <p:cNvSpPr>
+            <a:spLocks noGrp="1"/>
+          </p:cNvSpPr>
+          <p:nvPr>
+            <p:ph idx="1"/>
+          </p:nvPr>
+        </p:nvSpPr>
+        <p:spPr/>
+        <p:txBody>
+          <a:bodyPr/>
+          <a:lstStyle/>
+          <a:p>
+            <a:endParaRPr lang="ru-RU" dirty="0"/>
+          </a:p>
+        </p:txBody>
+      </p:sp>
+      <p:sp>
+        <p:nvSpPr>
+          <p:cNvPr id="4" name="Номер слайда 3">
+            <a:extLst>
+              <a:ext uri="{FF2B5EF4-FFF2-40B4-BE49-F238E27FC236}">
+                <a16:creationId xmlns:a16="http://schemas.microsoft.com/office/drawing/2014/main" id="{6DAA9B03-E7D2-4B25-BBC7-304639FB0746}"/>
+              </a:ext>
+            </a:extLst>
+          </p:cNvPr>
+          <p:cNvSpPr>
+            <a:spLocks noGrp="1"/>
+          </p:cNvSpPr>
+          <p:nvPr>
+            <p:ph type="sldNum" sz="quarter" idx="12"/>
+          </p:nvPr>
+        </p:nvSpPr>
+        <p:spPr/>
+        <p:txBody>
+          <a:bodyPr/>
+          <a:lstStyle/>
+          <a:p>
+            <a:fld id="{DB588EEF-D3FB-47DB-BAE8-79617CF8CEAA}" type="slidenum">
+              <a:rPr lang="ru-RU" smtClean="0"/>
+              <a:pPr/>
+              <a:t>5</a:t>
+            </a:fld>
+            <a:endParaRPr lang="ru-RU" dirty="0"/>
+          </a:p>
+        </p:txBody>
+      </p:sp>
+    </p:spTree>
+    <p:extLst>
+      <p:ext uri="{BB962C8B-B14F-4D97-AF65-F5344CB8AC3E}">
+        <p14:creationId xmlns:p14="http://schemas.microsoft.com/office/powerpoint/2010/main" val="1101998035"/>
+      </p:ext>
+    </p:extLst>
+  </p:cSld>
+  <p:clrMapOvr>
+    <a:masterClrMapping/>
+  </p:clrMapOvr>
+</p:sld>
+</file>
+
+<file path=ppt/slides/slide6.xml><?xml version="1.0" encoding="utf-8"?>
+<p:sld xmlns:a="http://schemas.openxmlformats.org/drawingml/2006/main" xmlns:r="http://schemas.openxmlformats.org/officeDocument/2006/relationships" xmlns:p="http://schemas.openxmlformats.org/presentationml/2006/main">
+  <p:cSld>
+    <p:spTree>
+      <p:nvGrpSpPr>
+        <p:cNvPr id="1" name=""/>
+        <p:cNvGrpSpPr/>
+        <p:nvPr/>
+      </p:nvGrpSpPr>
+      <p:grpSpPr>
+        <a:xfrm>
+          <a:off x="0" y="0"/>
+          <a:ext cx="0" cy="0"/>
+          <a:chOff x="0" y="0"/>
+          <a:chExt cx="0" cy="0"/>
+        </a:xfrm>
+      </p:grpSpPr>
+      <p:sp>
+        <p:nvSpPr>
+          <p:cNvPr id="2" name="Заголовок 1">
+            <a:extLst>
+              <a:ext uri="{FF2B5EF4-FFF2-40B4-BE49-F238E27FC236}">
+                <a16:creationId xmlns:a16="http://schemas.microsoft.com/office/drawing/2014/main" id="{820BBC31-E50C-44A3-8FF3-47A3924CA7FF}"/>
+              </a:ext>
+            </a:extLst>
+          </p:cNvPr>
+          <p:cNvSpPr>
+            <a:spLocks noGrp="1"/>
+          </p:cNvSpPr>
+          <p:nvPr>
+            <p:ph type="title"/>
+          </p:nvPr>
+        </p:nvSpPr>
+        <p:spPr/>
+        <p:txBody>
+          <a:bodyPr/>
+          <a:lstStyle/>
+          <a:p>
+            <a:r>
+              <a:rPr lang="ru-RU" dirty="0"/>
+              <a:t>Технология частотного разнесения</a:t>
+            </a:r>
+          </a:p>
+        </p:txBody>
+      </p:sp>
+      <p:sp>
+        <p:nvSpPr>
+          <p:cNvPr id="4" name="Номер слайда 3">
+            <a:extLst>
+              <a:ext uri="{FF2B5EF4-FFF2-40B4-BE49-F238E27FC236}">
+                <a16:creationId xmlns:a16="http://schemas.microsoft.com/office/drawing/2014/main" id="{A39AD641-FAA3-4FA3-A71F-2233D30F2438}"/>
+              </a:ext>
+            </a:extLst>
+          </p:cNvPr>
+          <p:cNvSpPr>
+            <a:spLocks noGrp="1"/>
+          </p:cNvSpPr>
+          <p:nvPr>
+            <p:ph type="sldNum" sz="quarter" idx="12"/>
+          </p:nvPr>
+        </p:nvSpPr>
+        <p:spPr/>
+        <p:txBody>
+          <a:bodyPr/>
+          <a:lstStyle/>
+          <a:p>
+            <a:fld id="{DB588EEF-D3FB-47DB-BAE8-79617CF8CEAA}" type="slidenum">
+              <a:rPr lang="ru-RU" smtClean="0"/>
+              <a:pPr/>
+              <a:t>6</a:t>
+            </a:fld>
+            <a:endParaRPr lang="ru-RU" dirty="0"/>
+          </a:p>
+        </p:txBody>
+      </p:sp>
+      <p:pic>
+        <p:nvPicPr>
+          <p:cNvPr id="6" name="Объект 5">
+            <a:extLst>
+              <a:ext uri="{FF2B5EF4-FFF2-40B4-BE49-F238E27FC236}">
+                <a16:creationId xmlns:a16="http://schemas.microsoft.com/office/drawing/2014/main" id="{F010C9BD-B9F5-492E-9FDA-02B3A1F7C87A}"/>
+              </a:ext>
+            </a:extLst>
+          </p:cNvPr>
+          <p:cNvPicPr>
+            <a:picLocks noGrp="1" noChangeAspect="1"/>
+          </p:cNvPicPr>
+          <p:nvPr>
+            <p:ph idx="1"/>
+          </p:nvPr>
+        </p:nvPicPr>
+        <p:blipFill>
+          <a:blip r:embed="rId2" cstate="print"/>
+          <a:stretch>
+            <a:fillRect/>
+          </a:stretch>
+        </p:blipFill>
+        <p:spPr>
+          <a:xfrm>
+            <a:off x="346141" y="1620730"/>
+            <a:ext cx="5301294" cy="4167327"/>
+          </a:xfrm>
+          <a:prstGeom prst="rect">
+            <a:avLst/>
+          </a:prstGeom>
+        </p:spPr>
+      </p:pic>
+    </p:spTree>
+    <p:extLst>
+      <p:ext uri="{BB962C8B-B14F-4D97-AF65-F5344CB8AC3E}">
+        <p14:creationId xmlns:p14="http://schemas.microsoft.com/office/powerpoint/2010/main" val="2127220748"/>
+      </p:ext>
+    </p:extLst>
+  </p:cSld>
+  <p:clrMapOvr>
+    <a:masterClrMapping/>
+  </p:clrMapOvr>
+</p:sld>
+</file>
+
+<file path=ppt/slides/slide7.xml><?xml version="1.0" encoding="utf-8"?>
+<p:sld xmlns:a="http://schemas.openxmlformats.org/drawingml/2006/main" xmlns:r="http://schemas.openxmlformats.org/officeDocument/2006/relationships" xmlns:p="http://schemas.openxmlformats.org/presentationml/2006/main">
+  <p:cSld>
+    <p:spTree>
+      <p:nvGrpSpPr>
+        <p:cNvPr id="1" name=""/>
+        <p:cNvGrpSpPr/>
+        <p:nvPr/>
+      </p:nvGrpSpPr>
+      <p:grpSpPr>
+        <a:xfrm>
+          <a:off x="0" y="0"/>
+          <a:ext cx="0" cy="0"/>
+          <a:chOff x="0" y="0"/>
+          <a:chExt cx="0" cy="0"/>
+        </a:xfrm>
+      </p:grpSpPr>
+      <p:sp>
+        <p:nvSpPr>
+          <p:cNvPr id="2" name="Заголовок 1">
+            <a:extLst>
+              <a:ext uri="{FF2B5EF4-FFF2-40B4-BE49-F238E27FC236}">
+                <a16:creationId xmlns:a16="http://schemas.microsoft.com/office/drawing/2014/main" id="{71473F59-472A-42AF-9D5D-CECAD844E834}"/>
+              </a:ext>
+            </a:extLst>
+          </p:cNvPr>
+          <p:cNvSpPr>
+            <a:spLocks noGrp="1"/>
+          </p:cNvSpPr>
+          <p:nvPr>
+            <p:ph type="title"/>
+          </p:nvPr>
+        </p:nvSpPr>
+        <p:spPr/>
+        <p:txBody>
+          <a:bodyPr/>
+          <a:lstStyle/>
+          <a:p>
+            <a:r>
+              <a:rPr lang="en-US" dirty="0"/>
+              <a:t>FDMA (Frequency Division Multiple Access)</a:t>
+            </a:r>
+            <a:endParaRPr lang="ru-RU" dirty="0"/>
+          </a:p>
+        </p:txBody>
+      </p:sp>
+      <p:sp>
+        <p:nvSpPr>
+          <p:cNvPr id="4" name="Номер слайда 3">
+            <a:extLst>
+              <a:ext uri="{FF2B5EF4-FFF2-40B4-BE49-F238E27FC236}">
+                <a16:creationId xmlns:a16="http://schemas.microsoft.com/office/drawing/2014/main" id="{C167D4F1-F791-48EC-A7D2-7BD1641F3E8A}"/>
+              </a:ext>
+            </a:extLst>
+          </p:cNvPr>
+          <p:cNvSpPr>
+            <a:spLocks noGrp="1"/>
+          </p:cNvSpPr>
+          <p:nvPr>
+            <p:ph type="sldNum" sz="quarter" idx="12"/>
+          </p:nvPr>
+        </p:nvSpPr>
+        <p:spPr/>
+        <p:txBody>
+          <a:bodyPr/>
+          <a:lstStyle/>
+          <a:p>
+            <a:fld id="{DB588EEF-D3FB-47DB-BAE8-79617CF8CEAA}" type="slidenum">
+              <a:rPr lang="ru-RU" smtClean="0"/>
+              <a:pPr/>
+              <a:t>7</a:t>
+            </a:fld>
+            <a:endParaRPr lang="ru-RU" dirty="0"/>
+          </a:p>
+        </p:txBody>
+      </p:sp>
+      <p:pic>
+        <p:nvPicPr>
+          <p:cNvPr id="5" name="Объект 4">
+            <a:extLst>
+              <a:ext uri="{FF2B5EF4-FFF2-40B4-BE49-F238E27FC236}">
+                <a16:creationId xmlns:a16="http://schemas.microsoft.com/office/drawing/2014/main" id="{8C2C69B1-F1CD-477F-9851-1098F0827D53}"/>
+              </a:ext>
+            </a:extLst>
+          </p:cNvPr>
+          <p:cNvPicPr>
+            <a:picLocks noGrp="1" noChangeAspect="1"/>
+          </p:cNvPicPr>
+          <p:nvPr>
+            <p:ph idx="1"/>
+          </p:nvPr>
+        </p:nvPicPr>
+        <p:blipFill>
+          <a:blip r:embed="rId2" cstate="print"/>
+          <a:srcRect/>
+          <a:stretch>
+            <a:fillRect/>
+          </a:stretch>
+        </p:blipFill>
+        <p:spPr bwMode="auto">
+          <a:xfrm>
+            <a:off x="551973" y="1520615"/>
+            <a:ext cx="4715533" cy="3057143"/>
+          </a:xfrm>
+          <a:prstGeom prst="rect">
+            <a:avLst/>
+          </a:prstGeom>
+          <a:noFill/>
+          <a:ln w="9525">
+            <a:noFill/>
+            <a:miter lim="800000"/>
+            <a:headEnd/>
+            <a:tailEnd/>
+          </a:ln>
+        </p:spPr>
+      </p:pic>
+      <p:pic>
+        <p:nvPicPr>
+          <p:cNvPr id="6" name="Рисунок 5">
+            <a:extLst>
+              <a:ext uri="{FF2B5EF4-FFF2-40B4-BE49-F238E27FC236}">
+                <a16:creationId xmlns:a16="http://schemas.microsoft.com/office/drawing/2014/main" id="{DD5A8382-7F1E-48CC-B759-757F1BDC3183}"/>
+              </a:ext>
+            </a:extLst>
+          </p:cNvPr>
+          <p:cNvPicPr>
+            <a:picLocks noChangeAspect="1"/>
+          </p:cNvPicPr>
+          <p:nvPr/>
+        </p:nvPicPr>
+        <p:blipFill>
+          <a:blip r:embed="rId3" cstate="print"/>
+          <a:srcRect/>
+          <a:stretch>
+            <a:fillRect/>
+          </a:stretch>
+        </p:blipFill>
+        <p:spPr bwMode="auto">
+          <a:xfrm>
+            <a:off x="5524500" y="1690688"/>
+            <a:ext cx="5829300" cy="2724150"/>
+          </a:xfrm>
+          <a:prstGeom prst="rect">
+            <a:avLst/>
+          </a:prstGeom>
+          <a:noFill/>
+          <a:ln w="9525">
+            <a:noFill/>
+            <a:miter lim="800000"/>
+            <a:headEnd/>
+            <a:tailEnd/>
+          </a:ln>
+        </p:spPr>
+      </p:pic>
+    </p:spTree>
+    <p:extLst>
+      <p:ext uri="{BB962C8B-B14F-4D97-AF65-F5344CB8AC3E}">
+        <p14:creationId xmlns:p14="http://schemas.microsoft.com/office/powerpoint/2010/main" val="1874685810"/>
+      </p:ext>
+    </p:extLst>
+  </p:cSld>
+  <p:clrMapOvr>
+    <a:masterClrMapping/>
+  </p:clrMapOvr>
+</p:sld>
+</file>
+
+<file path=ppt/slides/slide8.xml><?xml version="1.0" encoding="utf-8"?>
+<p:sld xmlns:a="http://schemas.openxmlformats.org/drawingml/2006/main" xmlns:r="http://schemas.openxmlformats.org/officeDocument/2006/relationships" xmlns:p="http://schemas.openxmlformats.org/presentationml/2006/main">
+  <p:cSld>
+    <p:spTree>
+      <p:nvGrpSpPr>
+        <p:cNvPr id="1" name=""/>
+        <p:cNvGrpSpPr/>
+        <p:nvPr/>
+      </p:nvGrpSpPr>
+      <p:grpSpPr>
+        <a:xfrm>
+          <a:off x="0" y="0"/>
+          <a:ext cx="0" cy="0"/>
+          <a:chOff x="0" y="0"/>
+          <a:chExt cx="0" cy="0"/>
+        </a:xfrm>
+      </p:grpSpPr>
+      <p:sp>
+        <p:nvSpPr>
+          <p:cNvPr id="2" name="Заголовок 1">
+            <a:extLst>
+              <a:ext uri="{FF2B5EF4-FFF2-40B4-BE49-F238E27FC236}">
+                <a16:creationId xmlns:a16="http://schemas.microsoft.com/office/drawing/2014/main" id="{7A4AB9A4-AE1D-4838-A5A6-B7E183D4A1CF}"/>
+              </a:ext>
+            </a:extLst>
+          </p:cNvPr>
+          <p:cNvSpPr>
+            <a:spLocks noGrp="1"/>
+          </p:cNvSpPr>
+          <p:nvPr>
+            <p:ph type="title"/>
+          </p:nvPr>
+        </p:nvSpPr>
+        <p:spPr/>
+        <p:txBody>
+          <a:bodyPr/>
+          <a:lstStyle/>
+          <a:p>
+            <a:r>
+              <a:rPr lang="en-US" dirty="0"/>
+              <a:t>FMT (Filtered Multi-Tone)</a:t>
+            </a:r>
+            <a:endParaRPr lang="ru-RU" dirty="0"/>
+          </a:p>
+        </p:txBody>
+      </p:sp>
+      <p:sp>
+        <p:nvSpPr>
+          <p:cNvPr id="4" name="Номер слайда 3">
+            <a:extLst>
+              <a:ext uri="{FF2B5EF4-FFF2-40B4-BE49-F238E27FC236}">
+                <a16:creationId xmlns:a16="http://schemas.microsoft.com/office/drawing/2014/main" id="{84D69725-3C6E-49C0-A269-388B9C3AD35A}"/>
+              </a:ext>
+            </a:extLst>
+          </p:cNvPr>
+          <p:cNvSpPr>
+            <a:spLocks noGrp="1"/>
+          </p:cNvSpPr>
+          <p:nvPr>
+            <p:ph type="sldNum" sz="quarter" idx="12"/>
+          </p:nvPr>
+        </p:nvSpPr>
+        <p:spPr/>
+        <p:txBody>
+          <a:bodyPr/>
+          <a:lstStyle/>
+          <a:p>
+            <a:fld id="{DB588EEF-D3FB-47DB-BAE8-79617CF8CEAA}" type="slidenum">
+              <a:rPr lang="ru-RU" smtClean="0"/>
+              <a:pPr/>
+              <a:t>8</a:t>
+            </a:fld>
+            <a:endParaRPr lang="ru-RU" dirty="0"/>
+          </a:p>
+        </p:txBody>
+      </p:sp>
+      <p:pic>
+        <p:nvPicPr>
+          <p:cNvPr id="7" name="Объект 6">
+            <a:extLst>
+              <a:ext uri="{FF2B5EF4-FFF2-40B4-BE49-F238E27FC236}">
+                <a16:creationId xmlns:a16="http://schemas.microsoft.com/office/drawing/2014/main" id="{5E194D9A-4DC0-425F-87EA-A33BA6A373C0}"/>
+              </a:ext>
+            </a:extLst>
+          </p:cNvPr>
+          <p:cNvPicPr>
+            <a:picLocks noGrp="1" noChangeAspect="1"/>
+          </p:cNvPicPr>
+          <p:nvPr>
+            <p:ph idx="1"/>
+          </p:nvPr>
+        </p:nvPicPr>
+        <p:blipFill>
+          <a:blip r:embed="rId2" cstate="print"/>
+          <a:srcRect/>
+          <a:stretch>
+            <a:fillRect/>
+          </a:stretch>
+        </p:blipFill>
+        <p:spPr bwMode="auto">
+          <a:xfrm>
+            <a:off x="3160427" y="1321189"/>
+            <a:ext cx="5380952" cy="2419048"/>
+          </a:xfrm>
+          <a:prstGeom prst="rect">
+            <a:avLst/>
+          </a:prstGeom>
+          <a:noFill/>
+          <a:ln w="9525">
+            <a:noFill/>
+            <a:miter lim="800000"/>
+            <a:headEnd/>
+            <a:tailEnd/>
+          </a:ln>
+        </p:spPr>
+      </p:pic>
+      <p:pic>
+        <p:nvPicPr>
+          <p:cNvPr id="8" name="Рисунок 7">
+            <a:extLst>
+              <a:ext uri="{FF2B5EF4-FFF2-40B4-BE49-F238E27FC236}">
+                <a16:creationId xmlns:a16="http://schemas.microsoft.com/office/drawing/2014/main" id="{6FB79BD0-19F5-4326-8804-621AECA370F6}"/>
+              </a:ext>
+            </a:extLst>
+          </p:cNvPr>
+          <p:cNvPicPr>
+            <a:picLocks noChangeAspect="1"/>
+          </p:cNvPicPr>
+          <p:nvPr/>
+        </p:nvPicPr>
+        <p:blipFill>
+          <a:blip r:embed="rId3" cstate="print"/>
+          <a:srcRect/>
+          <a:stretch>
+            <a:fillRect/>
+          </a:stretch>
+        </p:blipFill>
+        <p:spPr bwMode="auto">
+          <a:xfrm>
+            <a:off x="3186111" y="4295873"/>
+            <a:ext cx="7258680" cy="2376000"/>
+          </a:xfrm>
+          <a:prstGeom prst="rect">
+            <a:avLst/>
+          </a:prstGeom>
+          <a:noFill/>
+          <a:ln w="9525">
+            <a:noFill/>
+            <a:miter lim="800000"/>
+            <a:headEnd/>
+            <a:tailEnd/>
+          </a:ln>
+        </p:spPr>
+      </p:pic>
+    </p:spTree>
+    <p:extLst>
+      <p:ext uri="{BB962C8B-B14F-4D97-AF65-F5344CB8AC3E}">
+        <p14:creationId xmlns:p14="http://schemas.microsoft.com/office/powerpoint/2010/main" val="312373752"/>
+      </p:ext>
+    </p:extLst>
+  </p:cSld>
+  <p:clrMapOvr>
+    <a:masterClrMapping/>
+  </p:clrMapOvr>
+</p:sld>
+</file>
+
+<file path=ppt/slides/slide9.xml><?xml version="1.0" encoding="utf-8"?>
+<p:sld xmlns:a="http://schemas.openxmlformats.org/drawingml/2006/main" xmlns:r="http://schemas.openxmlformats.org/officeDocument/2006/relationships" xmlns:p="http://schemas.openxmlformats.org/presentationml/2006/main">
+  <p:cSld>
+    <p:spTree>
+      <p:nvGrpSpPr>
+        <p:cNvPr id="1" name=""/>
+        <p:cNvGrpSpPr/>
+        <p:nvPr/>
+      </p:nvGrpSpPr>
+      <p:grpSpPr>
+        <a:xfrm>
+          <a:off x="0" y="0"/>
+          <a:ext cx="0" cy="0"/>
+          <a:chOff x="0" y="0"/>
+          <a:chExt cx="0" cy="0"/>
+        </a:xfrm>
+      </p:grpSpPr>
+      <p:sp>
+        <p:nvSpPr>
+          <p:cNvPr id="2" name="Заголовок 1">
+            <a:extLst>
+              <a:ext uri="{FF2B5EF4-FFF2-40B4-BE49-F238E27FC236}">
+                <a16:creationId xmlns:a16="http://schemas.microsoft.com/office/drawing/2014/main" id="{3718BB0F-2F77-43D9-9E3B-CFA8E2CC6943}"/>
+              </a:ext>
+            </a:extLst>
+          </p:cNvPr>
+          <p:cNvSpPr>
+            <a:spLocks noGrp="1"/>
+          </p:cNvSpPr>
+          <p:nvPr>
+            <p:ph type="title"/>
+          </p:nvPr>
+        </p:nvSpPr>
+        <p:spPr/>
+        <p:txBody>
+          <a:bodyPr/>
+          <a:lstStyle/>
+          <a:p>
+            <a:r>
+              <a:rPr lang="ru-RU" dirty="0"/>
+              <a:t>Технология </a:t>
+            </a:r>
+            <a:r>
+              <a:rPr lang="en-US" dirty="0"/>
+              <a:t>OFDM</a:t>
+            </a:r>
+            <a:endParaRPr lang="ru-RU" dirty="0"/>
+          </a:p>
+        </p:txBody>
+      </p:sp>
+      <p:sp>
+        <p:nvSpPr>
+          <p:cNvPr id="4" name="Номер слайда 3">
+            <a:extLst>
+              <a:ext uri="{FF2B5EF4-FFF2-40B4-BE49-F238E27FC236}">
+                <a16:creationId xmlns:a16="http://schemas.microsoft.com/office/drawing/2014/main" id="{7ADF6859-75C9-4559-AA81-5C1E3E98B37C}"/>
+              </a:ext>
+            </a:extLst>
+          </p:cNvPr>
+          <p:cNvSpPr>
+            <a:spLocks noGrp="1"/>
+          </p:cNvSpPr>
+          <p:nvPr>
+            <p:ph type="sldNum" sz="quarter" idx="12"/>
+          </p:nvPr>
+        </p:nvSpPr>
+        <p:spPr/>
+        <p:txBody>
+          <a:bodyPr/>
+          <a:lstStyle/>
+          <a:p>
+            <a:fld id="{DB588EEF-D3FB-47DB-BAE8-79617CF8CEAA}" type="slidenum">
+              <a:rPr lang="ru-RU" smtClean="0"/>
+              <a:pPr/>
+              <a:t>9</a:t>
+            </a:fld>
+            <a:endParaRPr lang="ru-RU" dirty="0"/>
+          </a:p>
+        </p:txBody>
+      </p:sp>
+      <p:pic>
+        <p:nvPicPr>
+          <p:cNvPr id="6" name="Объект 5">
+            <a:extLst>
+              <a:ext uri="{FF2B5EF4-FFF2-40B4-BE49-F238E27FC236}">
+                <a16:creationId xmlns:a16="http://schemas.microsoft.com/office/drawing/2014/main" id="{D649F84B-5B29-42F6-B5FE-4DBFF6A217BB}"/>
+              </a:ext>
+            </a:extLst>
+          </p:cNvPr>
+          <p:cNvPicPr>
+            <a:picLocks noGrp="1" noChangeAspect="1"/>
+          </p:cNvPicPr>
+          <p:nvPr>
+            <p:ph idx="1"/>
+          </p:nvPr>
+        </p:nvPicPr>
+        <p:blipFill>
+          <a:blip r:embed="rId3" cstate="print"/>
+          <a:srcRect/>
+          <a:stretch>
+            <a:fillRect/>
+          </a:stretch>
+        </p:blipFill>
+        <p:spPr bwMode="auto">
+          <a:xfrm>
+            <a:off x="283246" y="2190307"/>
+            <a:ext cx="5630061" cy="2876190"/>
+          </a:xfrm>
+          <a:prstGeom prst="rect">
+            <a:avLst/>
+          </a:prstGeom>
+          <a:noFill/>
+          <a:ln w="9525">
+            <a:noFill/>
+            <a:miter lim="800000"/>
+            <a:headEnd/>
+            <a:tailEnd/>
+          </a:ln>
+        </p:spPr>
+      </p:pic>
+      <p:sp>
+        <p:nvSpPr>
+          <p:cNvPr id="7" name="Rectangle 2">
+            <a:extLst>
+              <a:ext uri="{FF2B5EF4-FFF2-40B4-BE49-F238E27FC236}">
+                <a16:creationId xmlns:a16="http://schemas.microsoft.com/office/drawing/2014/main" id="{FC181625-D115-43C1-A737-A2A042EDDF5A}"/>
+              </a:ext>
+            </a:extLst>
+          </p:cNvPr>
+          <p:cNvSpPr>
+            <a:spLocks noChangeArrowheads="1"/>
+          </p:cNvSpPr>
+          <p:nvPr/>
+        </p:nvSpPr>
+        <p:spPr bwMode="auto">
+          <a:xfrm>
+            <a:off x="6096000" y="1690688"/>
+            <a:ext cx="12192000" cy="0"/>
+          </a:xfrm>
+          <a:prstGeom prst="rect">
+            <a:avLst/>
+          </a:prstGeom>
+          <a:noFill/>
+          <a:ln>
+            <a:noFill/>
+          </a:ln>
+          <a:effectLst/>
+          <a:extLst>
+            <a:ext uri="{909E8E84-426E-40DD-AFC4-6F175D3DCCD1}">
+              <a14:hiddenFill xmlns:a14="http://schemas.microsoft.com/office/drawing/2010/main">
+                <a:solidFill>
+                  <a:schemeClr val="accent1"/>
+                </a:solidFill>
+              </a14:hiddenFill>
+            </a:ext>
+            <a:ext uri="{91240B29-F687-4F45-9708-019B960494DF}">
+              <a14:hiddenLine xmlns:a14="http://schemas.microsoft.com/office/drawing/2010/main" w="9525">
+                <a:solidFill>
+                  <a:schemeClr val="tx1"/>
+                </a:solidFill>
+                <a:miter lim="800000"/>
+                <a:headEnd/>
+                <a:tailEnd/>
+              </a14:hiddenLine>
+            </a:ext>
+            <a:ext uri="{AF507438-7753-43E0-B8FC-AC1667EBCBE1}">
+              <a14:hiddenEffects xmlns:a14="http://schemas.microsoft.com/office/drawing/2010/main">
+                <a:effectLst>
+                  <a:outerShdw dist="35921" dir="2700000" algn="ctr" rotWithShape="0">
+                    <a:schemeClr val="bg2"/>
+                  </a:outerShdw>
+                </a:effectLst>
+              </a14:hiddenEffects>
+            </a:ext>
+          </a:extLst>
+        </p:spPr>
+        <p:txBody>
+          <a:bodyPr vert="horz" wrap="none" lIns="91440" tIns="45720" rIns="91440" bIns="45720" numCol="1" anchor="ctr" anchorCtr="0" compatLnSpc="1">
+            <a:prstTxWarp prst="textNoShape">
+              <a:avLst/>
+            </a:prstTxWarp>
+            <a:spAutoFit/>
+          </a:bodyPr>
+          <a:lstStyle/>
+          <a:p>
+            <a:endParaRPr lang="ru-RU"/>
+          </a:p>
+        </p:txBody>
+      </p:sp>
+      <p:graphicFrame>
+        <p:nvGraphicFramePr>
+          <p:cNvPr id="8" name="Объект 7">
+            <a:extLst>
+              <a:ext uri="{FF2B5EF4-FFF2-40B4-BE49-F238E27FC236}">
+                <a16:creationId xmlns:a16="http://schemas.microsoft.com/office/drawing/2014/main" id="{4BC1AFB5-EB7B-4C9A-B163-184E5FDFE234}"/>
+              </a:ext>
+            </a:extLst>
+          </p:cNvPr>
+          <p:cNvGraphicFramePr>
+            <a:graphicFrameLocks noChangeAspect="1"/>
+          </p:cNvGraphicFramePr>
+          <p:nvPr>
+            <p:extLst>
+              <p:ext uri="{D42A27DB-BD31-4B8C-83A1-F6EECF244321}">
+                <p14:modId xmlns:p14="http://schemas.microsoft.com/office/powerpoint/2010/main" val="2701243695"/>
+              </p:ext>
+            </p:extLst>
+          </p:nvPr>
+        </p:nvGraphicFramePr>
+        <p:xfrm>
+          <a:off x="5796879" y="2077415"/>
+          <a:ext cx="6111875" cy="3101975"/>
+        </p:xfrm>
+        <a:graphic>
+          <a:graphicData uri="http://schemas.openxmlformats.org/presentationml/2006/ole">
+            <mc:AlternateContent xmlns:mc="http://schemas.openxmlformats.org/markup-compatibility/2006">
+              <mc:Choice xmlns:v="urn:schemas-microsoft-com:vml" Requires="v">
+                <p:oleObj spid="_x0000_s3076" r:id="rId4" imgW="8361149" imgH="3789328" progId="Visio.Drawing.11">
+                  <p:embed/>
+                </p:oleObj>
+              </mc:Choice>
+              <mc:Fallback>
+                <p:oleObj r:id="rId4" imgW="8361149" imgH="3789328" progId="Visio.Drawing.11">
+                  <p:embed/>
+                  <p:pic>
+                    <p:nvPicPr>
+                      <p:cNvPr id="0" name="Object 1"/>
+                      <p:cNvPicPr>
+                        <a:picLocks noChangeAspect="1" noChangeArrowheads="1"/>
+                      </p:cNvPicPr>
+                      <p:nvPr/>
+                    </p:nvPicPr>
+                    <p:blipFill>
+                      <a:blip r:embed="rId5">
+                        <a:extLst>
+                          <a:ext uri="{28A0092B-C50C-407E-A947-70E740481C1C}">
+                            <a14:useLocalDpi xmlns:a14="http://schemas.microsoft.com/office/drawing/2010/main" val="0"/>
+                          </a:ext>
+                        </a:extLst>
+                      </a:blip>
+                      <a:srcRect/>
+                      <a:stretch>
+                        <a:fillRect/>
+                      </a:stretch>
+                    </p:blipFill>
+                    <p:spPr bwMode="auto">
+                      <a:xfrm>
+                        <a:off x="5796879" y="2077415"/>
+                        <a:ext cx="6111875" cy="3101975"/>
+                      </a:xfrm>
+                      <a:prstGeom prst="rect">
+                        <a:avLst/>
+                      </a:prstGeom>
+                      <a:noFill/>
+                      <a:extLst>
+                        <a:ext uri="{909E8E84-426E-40DD-AFC4-6F175D3DCCD1}">
+                          <a14:hiddenFill xmlns:a14="http://schemas.microsoft.com/office/drawing/2010/main">
+                            <a:solidFill>
+                              <a:srgbClr val="FFFFFF"/>
+                            </a:solidFill>
+                          </a14:hiddenFill>
+                        </a:ext>
+                      </a:extLst>
+                    </p:spPr>
+                  </p:pic>
+                </p:oleObj>
+              </mc:Fallback>
+            </mc:AlternateContent>
+          </a:graphicData>
+        </a:graphic>
+      </p:graphicFrame>
+    </p:spTree>
+    <p:extLst>
+      <p:ext uri="{BB962C8B-B14F-4D97-AF65-F5344CB8AC3E}">
+        <p14:creationId xmlns:p14="http://schemas.microsoft.com/office/powerpoint/2010/main" val="1334656162"/>
       </p:ext>
     </p:extLst>
   </p:cSld>
